--- a/Documents/pptx/NaoPptx.pptx
+++ b/Documents/pptx/NaoPptx.pptx
@@ -900,7 +900,7 @@
   <p:cSld>
     <p:spTree>
       <p:nvGrpSpPr>
-        <p:cNvPr id="121" name="Shape 121"/>
+        <p:cNvPr id="122" name="Shape 122"/>
         <p:cNvGrpSpPr/>
         <p:nvPr/>
       </p:nvGrpSpPr>
@@ -914,7 +914,7 @@
       </p:grpSpPr>
       <p:sp>
         <p:nvSpPr>
-          <p:cNvPr id="122" name="Google Shape;122;gfcdef6d654_2_23:notes"/>
+          <p:cNvPr id="123" name="Google Shape;123;gfcdef6d654_2_23:notes"/>
           <p:cNvSpPr/>
           <p:nvPr>
             <p:ph idx="2" type="sldImg"/>
@@ -949,7 +949,7 @@
       </p:sp>
       <p:sp>
         <p:nvSpPr>
-          <p:cNvPr id="123" name="Google Shape;123;gfcdef6d654_2_23:notes"/>
+          <p:cNvPr id="124" name="Google Shape;124;gfcdef6d654_2_23:notes"/>
           <p:cNvSpPr txBox="1"/>
           <p:nvPr>
             <p:ph idx="1" type="body"/>
@@ -6740,6 +6740,34 @@
           </a:p>
         </p:txBody>
       </p:sp>
+      <p:pic>
+        <p:nvPicPr>
+          <p:cNvPr id="121" name="Google Shape;121;p22"/>
+          <p:cNvPicPr preferRelativeResize="0"/>
+          <p:nvPr/>
+        </p:nvPicPr>
+        <p:blipFill>
+          <a:blip r:embed="rId4">
+            <a:alphaModFix/>
+          </a:blip>
+          <a:stretch>
+            <a:fillRect/>
+          </a:stretch>
+        </p:blipFill>
+        <p:spPr>
+          <a:xfrm>
+            <a:off x="0" y="1756125"/>
+            <a:ext cx="4044550" cy="2022250"/>
+          </a:xfrm>
+          <a:prstGeom prst="rect">
+            <a:avLst/>
+          </a:prstGeom>
+          <a:noFill/>
+          <a:ln>
+            <a:noFill/>
+          </a:ln>
+        </p:spPr>
+      </p:pic>
     </p:spTree>
   </p:cSld>
   <p:clrMapOvr>
@@ -6753,7 +6781,7 @@
   <p:cSld>
     <p:spTree>
       <p:nvGrpSpPr>
-        <p:cNvPr id="124" name="Shape 124"/>
+        <p:cNvPr id="125" name="Shape 125"/>
         <p:cNvGrpSpPr/>
         <p:nvPr/>
       </p:nvGrpSpPr>
@@ -6767,7 +6795,7 @@
       </p:grpSpPr>
       <p:sp>
         <p:nvSpPr>
-          <p:cNvPr id="125" name="Google Shape;125;p23"/>
+          <p:cNvPr id="126" name="Google Shape;126;p23"/>
           <p:cNvSpPr txBox="1"/>
           <p:nvPr>
             <p:ph type="title"/>
@@ -6807,7 +6835,7 @@
       </p:sp>
       <p:pic>
         <p:nvPicPr>
-          <p:cNvPr id="126" name="Google Shape;126;p23"/>
+          <p:cNvPr id="127" name="Google Shape;127;p23"/>
           <p:cNvPicPr preferRelativeResize="0"/>
           <p:nvPr/>
         </p:nvPicPr>
@@ -6835,7 +6863,7 @@
       </p:pic>
       <p:sp>
         <p:nvSpPr>
-          <p:cNvPr id="127" name="Google Shape;127;p23"/>
+          <p:cNvPr id="128" name="Google Shape;128;p23"/>
           <p:cNvSpPr txBox="1"/>
           <p:nvPr/>
         </p:nvSpPr>
@@ -6876,7 +6904,7 @@
       </p:sp>
       <p:sp>
         <p:nvSpPr>
-          <p:cNvPr id="128" name="Google Shape;128;p23"/>
+          <p:cNvPr id="129" name="Google Shape;129;p23"/>
           <p:cNvSpPr txBox="1"/>
           <p:nvPr/>
         </p:nvSpPr>
@@ -8247,7 +8275,7 @@
             <a:tbl>
               <a:tblPr>
                 <a:noFill/>
-                <a:tableStyleId>{7DDF5D13-04C1-46A8-B62C-C8529EA38EE1}</a:tableStyleId>
+                <a:tableStyleId>{E99876D9-CDEE-4E6D-893E-795E070DD4AD}</a:tableStyleId>
               </a:tblPr>
               <a:tblGrid>
                 <a:gridCol w="1704125"/>
@@ -10242,6 +10270,285 @@
 </file>
 
 <file path=ppt/theme/theme1.xml><?xml version="1.0" encoding="utf-8"?>
+<a:theme xmlns:a="http://schemas.openxmlformats.org/drawingml/2006/main" xmlns:r="http://schemas.openxmlformats.org/officeDocument/2006/relationships" name="Simple Light">
+  <a:themeElements>
+    <a:clrScheme name="Simple Light">
+      <a:dk1>
+        <a:srgbClr val="000000"/>
+      </a:dk1>
+      <a:lt1>
+        <a:srgbClr val="FFFFFF"/>
+      </a:lt1>
+      <a:dk2>
+        <a:srgbClr val="595959"/>
+      </a:dk2>
+      <a:lt2>
+        <a:srgbClr val="EEEEEE"/>
+      </a:lt2>
+      <a:accent1>
+        <a:srgbClr val="4285F4"/>
+      </a:accent1>
+      <a:accent2>
+        <a:srgbClr val="212121"/>
+      </a:accent2>
+      <a:accent3>
+        <a:srgbClr val="78909C"/>
+      </a:accent3>
+      <a:accent4>
+        <a:srgbClr val="FFAB40"/>
+      </a:accent4>
+      <a:accent5>
+        <a:srgbClr val="0097A7"/>
+      </a:accent5>
+      <a:accent6>
+        <a:srgbClr val="EEFF41"/>
+      </a:accent6>
+      <a:hlink>
+        <a:srgbClr val="0097A7"/>
+      </a:hlink>
+      <a:folHlink>
+        <a:srgbClr val="0097A7"/>
+      </a:folHlink>
+    </a:clrScheme>
+    <a:fontScheme name="Office">
+      <a:majorFont>
+        <a:latin typeface="Arial"/>
+        <a:ea typeface=""/>
+        <a:cs typeface=""/>
+        <a:font script="Jpan" typeface="ＭＳ Ｐゴシック"/>
+        <a:font script="Hang" typeface="맑은 고딕"/>
+        <a:font script="Hans" typeface="宋体"/>
+        <a:font script="Hant" typeface="新細明體"/>
+        <a:font script="Arab" typeface="Times New Roman"/>
+        <a:font script="Hebr" typeface="Times New Roman"/>
+        <a:font script="Thai" typeface="Angsana New"/>
+        <a:font script="Ethi" typeface="Nyala"/>
+        <a:font script="Beng" typeface="Vrinda"/>
+        <a:font script="Gujr" typeface="Shruti"/>
+        <a:font script="Khmr" typeface="MoolBoran"/>
+        <a:font script="Knda" typeface="Tunga"/>
+        <a:font script="Guru" typeface="Raavi"/>
+        <a:font script="Cans" typeface="Euphemia"/>
+        <a:font script="Cher" typeface="Plantagenet Cherokee"/>
+        <a:font script="Yiii" typeface="Microsoft Yi Baiti"/>
+        <a:font script="Tibt" typeface="Microsoft Himalaya"/>
+        <a:font script="Thaa" typeface="MV Boli"/>
+        <a:font script="Deva" typeface="Mangal"/>
+        <a:font script="Telu" typeface="Gautami"/>
+        <a:font script="Taml" typeface="Latha"/>
+        <a:font script="Syrc" typeface="Estrangelo Edessa"/>
+        <a:font script="Orya" typeface="Kalinga"/>
+        <a:font script="Mlym" typeface="Kartika"/>
+        <a:font script="Laoo" typeface="DokChampa"/>
+        <a:font script="Sinh" typeface="Iskoola Pota"/>
+        <a:font script="Mong" typeface="Mongolian Baiti"/>
+        <a:font script="Viet" typeface="Times New Roman"/>
+        <a:font script="Uigh" typeface="Microsoft Uighur"/>
+        <a:font script="Geor" typeface="Sylfaen"/>
+      </a:majorFont>
+      <a:minorFont>
+        <a:latin typeface="Arial"/>
+        <a:ea typeface=""/>
+        <a:cs typeface=""/>
+        <a:font script="Jpan" typeface="ＭＳ Ｐゴシック"/>
+        <a:font script="Hang" typeface="맑은 고딕"/>
+        <a:font script="Hans" typeface="宋体"/>
+        <a:font script="Hant" typeface="新細明體"/>
+        <a:font script="Arab" typeface="Arial"/>
+        <a:font script="Hebr" typeface="Arial"/>
+        <a:font script="Thai" typeface="Cordia New"/>
+        <a:font script="Ethi" typeface="Nyala"/>
+        <a:font script="Beng" typeface="Vrinda"/>
+        <a:font script="Gujr" typeface="Shruti"/>
+        <a:font script="Khmr" typeface="DaunPenh"/>
+        <a:font script="Knda" typeface="Tunga"/>
+        <a:font script="Guru" typeface="Raavi"/>
+        <a:font script="Cans" typeface="Euphemia"/>
+        <a:font script="Cher" typeface="Plantagenet Cherokee"/>
+        <a:font script="Yiii" typeface="Microsoft Yi Baiti"/>
+        <a:font script="Tibt" typeface="Microsoft Himalaya"/>
+        <a:font script="Thaa" typeface="MV Boli"/>
+        <a:font script="Deva" typeface="Mangal"/>
+        <a:font script="Telu" typeface="Gautami"/>
+        <a:font script="Taml" typeface="Latha"/>
+        <a:font script="Syrc" typeface="Estrangelo Edessa"/>
+        <a:font script="Orya" typeface="Kalinga"/>
+        <a:font script="Mlym" typeface="Kartika"/>
+        <a:font script="Laoo" typeface="DokChampa"/>
+        <a:font script="Sinh" typeface="Iskoola Pota"/>
+        <a:font script="Mong" typeface="Mongolian Baiti"/>
+        <a:font script="Viet" typeface="Arial"/>
+        <a:font script="Uigh" typeface="Microsoft Uighur"/>
+        <a:font script="Geor" typeface="Sylfaen"/>
+      </a:minorFont>
+    </a:fontScheme>
+    <a:fmtScheme name="Office">
+      <a:fillStyleLst>
+        <a:solidFill>
+          <a:schemeClr val="phClr"/>
+        </a:solidFill>
+        <a:gradFill rotWithShape="1">
+          <a:gsLst>
+            <a:gs pos="0">
+              <a:schemeClr val="phClr">
+                <a:tint val="50000"/>
+                <a:satMod val="300000"/>
+              </a:schemeClr>
+            </a:gs>
+            <a:gs pos="35000">
+              <a:schemeClr val="phClr">
+                <a:tint val="37000"/>
+                <a:satMod val="300000"/>
+              </a:schemeClr>
+            </a:gs>
+            <a:gs pos="100000">
+              <a:schemeClr val="phClr">
+                <a:tint val="15000"/>
+                <a:satMod val="350000"/>
+              </a:schemeClr>
+            </a:gs>
+          </a:gsLst>
+          <a:lin ang="16200000" scaled="1"/>
+        </a:gradFill>
+        <a:gradFill rotWithShape="1">
+          <a:gsLst>
+            <a:gs pos="0">
+              <a:schemeClr val="phClr">
+                <a:tint val="100000"/>
+                <a:shade val="100000"/>
+                <a:satMod val="130000"/>
+              </a:schemeClr>
+            </a:gs>
+            <a:gs pos="100000">
+              <a:schemeClr val="phClr">
+                <a:tint val="50000"/>
+                <a:shade val="100000"/>
+                <a:satMod val="350000"/>
+              </a:schemeClr>
+            </a:gs>
+          </a:gsLst>
+          <a:lin ang="16200000" scaled="0"/>
+        </a:gradFill>
+      </a:fillStyleLst>
+      <a:lnStyleLst>
+        <a:ln w="9525" cap="flat" cmpd="sng" algn="ctr">
+          <a:solidFill>
+            <a:schemeClr val="phClr">
+              <a:shade val="95000"/>
+              <a:satMod val="105000"/>
+            </a:schemeClr>
+          </a:solidFill>
+          <a:prstDash val="solid"/>
+        </a:ln>
+        <a:ln w="25400" cap="flat" cmpd="sng" algn="ctr">
+          <a:solidFill>
+            <a:schemeClr val="phClr"/>
+          </a:solidFill>
+          <a:prstDash val="solid"/>
+        </a:ln>
+        <a:ln w="38100" cap="flat" cmpd="sng" algn="ctr">
+          <a:solidFill>
+            <a:schemeClr val="phClr"/>
+          </a:solidFill>
+          <a:prstDash val="solid"/>
+        </a:ln>
+      </a:lnStyleLst>
+      <a:effectStyleLst>
+        <a:effectStyle>
+          <a:effectLst>
+            <a:outerShdw blurRad="40000" dist="20000" dir="5400000" rotWithShape="0">
+              <a:srgbClr val="000000">
+                <a:alpha val="38000"/>
+              </a:srgbClr>
+            </a:outerShdw>
+          </a:effectLst>
+        </a:effectStyle>
+        <a:effectStyle>
+          <a:effectLst>
+            <a:outerShdw blurRad="40000" dist="23000" dir="5400000" rotWithShape="0">
+              <a:srgbClr val="000000">
+                <a:alpha val="35000"/>
+              </a:srgbClr>
+            </a:outerShdw>
+          </a:effectLst>
+        </a:effectStyle>
+        <a:effectStyle>
+          <a:effectLst>
+            <a:outerShdw blurRad="40000" dist="23000" dir="5400000" rotWithShape="0">
+              <a:srgbClr val="000000">
+                <a:alpha val="35000"/>
+              </a:srgbClr>
+            </a:outerShdw>
+          </a:effectLst>
+          <a:scene3d>
+            <a:camera prst="orthographicFront">
+              <a:rot lat="0" lon="0" rev="0"/>
+            </a:camera>
+            <a:lightRig rig="threePt" dir="t">
+              <a:rot lat="0" lon="0" rev="1200000"/>
+            </a:lightRig>
+          </a:scene3d>
+          <a:sp3d>
+            <a:bevelT w="63500" h="25400"/>
+          </a:sp3d>
+        </a:effectStyle>
+      </a:effectStyleLst>
+      <a:bgFillStyleLst>
+        <a:solidFill>
+          <a:schemeClr val="phClr"/>
+        </a:solidFill>
+        <a:gradFill rotWithShape="1">
+          <a:gsLst>
+            <a:gs pos="0">
+              <a:schemeClr val="phClr">
+                <a:tint val="40000"/>
+                <a:satMod val="350000"/>
+              </a:schemeClr>
+            </a:gs>
+            <a:gs pos="40000">
+              <a:schemeClr val="phClr">
+                <a:tint val="45000"/>
+                <a:shade val="99000"/>
+                <a:satMod val="350000"/>
+              </a:schemeClr>
+            </a:gs>
+            <a:gs pos="100000">
+              <a:schemeClr val="phClr">
+                <a:shade val="20000"/>
+                <a:satMod val="255000"/>
+              </a:schemeClr>
+            </a:gs>
+          </a:gsLst>
+          <a:path path="circle">
+            <a:fillToRect l="50000" t="-80000" r="50000" b="180000"/>
+          </a:path>
+        </a:gradFill>
+        <a:gradFill rotWithShape="1">
+          <a:gsLst>
+            <a:gs pos="0">
+              <a:schemeClr val="phClr">
+                <a:tint val="80000"/>
+                <a:satMod val="300000"/>
+              </a:schemeClr>
+            </a:gs>
+            <a:gs pos="100000">
+              <a:schemeClr val="phClr">
+                <a:shade val="30000"/>
+                <a:satMod val="200000"/>
+              </a:schemeClr>
+            </a:gs>
+          </a:gsLst>
+          <a:path path="circle">
+            <a:fillToRect l="50000" t="50000" r="50000" b="50000"/>
+          </a:path>
+        </a:gradFill>
+      </a:bgFillStyleLst>
+    </a:fmtScheme>
+  </a:themeElements>
+</a:theme>
+</file>
+
+<file path=ppt/theme/theme2.xml><?xml version="1.0" encoding="utf-8"?>
 <a:theme xmlns:a="http://schemas.openxmlformats.org/drawingml/2006/main" xmlns:r="http://schemas.openxmlformats.org/officeDocument/2006/relationships">
   <a:themeElements>
     <a:clrScheme name="Default">
@@ -10518,283 +10825,4 @@
     </a:fmtScheme>
   </a:themeElements>
 </a:theme>
-</file>
-
-<file path=ppt/theme/theme2.xml><?xml version="1.0" encoding="utf-8"?>
-<a:theme xmlns:a="http://schemas.openxmlformats.org/drawingml/2006/main" xmlns:r="http://schemas.openxmlformats.org/officeDocument/2006/relationships" name="Simple Light">
-  <a:themeElements>
-    <a:clrScheme name="Simple Light">
-      <a:dk1>
-        <a:srgbClr val="000000"/>
-      </a:dk1>
-      <a:lt1>
-        <a:srgbClr val="FFFFFF"/>
-      </a:lt1>
-      <a:dk2>
-        <a:srgbClr val="595959"/>
-      </a:dk2>
-      <a:lt2>
-        <a:srgbClr val="EEEEEE"/>
-      </a:lt2>
-      <a:accent1>
-        <a:srgbClr val="4285F4"/>
-      </a:accent1>
-      <a:accent2>
-        <a:srgbClr val="212121"/>
-      </a:accent2>
-      <a:accent3>
-        <a:srgbClr val="78909C"/>
-      </a:accent3>
-      <a:accent4>
-        <a:srgbClr val="FFAB40"/>
-      </a:accent4>
-      <a:accent5>
-        <a:srgbClr val="0097A7"/>
-      </a:accent5>
-      <a:accent6>
-        <a:srgbClr val="EEFF41"/>
-      </a:accent6>
-      <a:hlink>
-        <a:srgbClr val="0097A7"/>
-      </a:hlink>
-      <a:folHlink>
-        <a:srgbClr val="0097A7"/>
-      </a:folHlink>
-    </a:clrScheme>
-    <a:fontScheme name="Office">
-      <a:majorFont>
-        <a:latin typeface="Arial"/>
-        <a:ea typeface=""/>
-        <a:cs typeface=""/>
-        <a:font script="Jpan" typeface="ＭＳ Ｐゴシック"/>
-        <a:font script="Hang" typeface="맑은 고딕"/>
-        <a:font script="Hans" typeface="宋体"/>
-        <a:font script="Hant" typeface="新細明體"/>
-        <a:font script="Arab" typeface="Times New Roman"/>
-        <a:font script="Hebr" typeface="Times New Roman"/>
-        <a:font script="Thai" typeface="Angsana New"/>
-        <a:font script="Ethi" typeface="Nyala"/>
-        <a:font script="Beng" typeface="Vrinda"/>
-        <a:font script="Gujr" typeface="Shruti"/>
-        <a:font script="Khmr" typeface="MoolBoran"/>
-        <a:font script="Knda" typeface="Tunga"/>
-        <a:font script="Guru" typeface="Raavi"/>
-        <a:font script="Cans" typeface="Euphemia"/>
-        <a:font script="Cher" typeface="Plantagenet Cherokee"/>
-        <a:font script="Yiii" typeface="Microsoft Yi Baiti"/>
-        <a:font script="Tibt" typeface="Microsoft Himalaya"/>
-        <a:font script="Thaa" typeface="MV Boli"/>
-        <a:font script="Deva" typeface="Mangal"/>
-        <a:font script="Telu" typeface="Gautami"/>
-        <a:font script="Taml" typeface="Latha"/>
-        <a:font script="Syrc" typeface="Estrangelo Edessa"/>
-        <a:font script="Orya" typeface="Kalinga"/>
-        <a:font script="Mlym" typeface="Kartika"/>
-        <a:font script="Laoo" typeface="DokChampa"/>
-        <a:font script="Sinh" typeface="Iskoola Pota"/>
-        <a:font script="Mong" typeface="Mongolian Baiti"/>
-        <a:font script="Viet" typeface="Times New Roman"/>
-        <a:font script="Uigh" typeface="Microsoft Uighur"/>
-        <a:font script="Geor" typeface="Sylfaen"/>
-      </a:majorFont>
-      <a:minorFont>
-        <a:latin typeface="Arial"/>
-        <a:ea typeface=""/>
-        <a:cs typeface=""/>
-        <a:font script="Jpan" typeface="ＭＳ Ｐゴシック"/>
-        <a:font script="Hang" typeface="맑은 고딕"/>
-        <a:font script="Hans" typeface="宋体"/>
-        <a:font script="Hant" typeface="新細明體"/>
-        <a:font script="Arab" typeface="Arial"/>
-        <a:font script="Hebr" typeface="Arial"/>
-        <a:font script="Thai" typeface="Cordia New"/>
-        <a:font script="Ethi" typeface="Nyala"/>
-        <a:font script="Beng" typeface="Vrinda"/>
-        <a:font script="Gujr" typeface="Shruti"/>
-        <a:font script="Khmr" typeface="DaunPenh"/>
-        <a:font script="Knda" typeface="Tunga"/>
-        <a:font script="Guru" typeface="Raavi"/>
-        <a:font script="Cans" typeface="Euphemia"/>
-        <a:font script="Cher" typeface="Plantagenet Cherokee"/>
-        <a:font script="Yiii" typeface="Microsoft Yi Baiti"/>
-        <a:font script="Tibt" typeface="Microsoft Himalaya"/>
-        <a:font script="Thaa" typeface="MV Boli"/>
-        <a:font script="Deva" typeface="Mangal"/>
-        <a:font script="Telu" typeface="Gautami"/>
-        <a:font script="Taml" typeface="Latha"/>
-        <a:font script="Syrc" typeface="Estrangelo Edessa"/>
-        <a:font script="Orya" typeface="Kalinga"/>
-        <a:font script="Mlym" typeface="Kartika"/>
-        <a:font script="Laoo" typeface="DokChampa"/>
-        <a:font script="Sinh" typeface="Iskoola Pota"/>
-        <a:font script="Mong" typeface="Mongolian Baiti"/>
-        <a:font script="Viet" typeface="Arial"/>
-        <a:font script="Uigh" typeface="Microsoft Uighur"/>
-        <a:font script="Geor" typeface="Sylfaen"/>
-      </a:minorFont>
-    </a:fontScheme>
-    <a:fmtScheme name="Office">
-      <a:fillStyleLst>
-        <a:solidFill>
-          <a:schemeClr val="phClr"/>
-        </a:solidFill>
-        <a:gradFill rotWithShape="1">
-          <a:gsLst>
-            <a:gs pos="0">
-              <a:schemeClr val="phClr">
-                <a:tint val="50000"/>
-                <a:satMod val="300000"/>
-              </a:schemeClr>
-            </a:gs>
-            <a:gs pos="35000">
-              <a:schemeClr val="phClr">
-                <a:tint val="37000"/>
-                <a:satMod val="300000"/>
-              </a:schemeClr>
-            </a:gs>
-            <a:gs pos="100000">
-              <a:schemeClr val="phClr">
-                <a:tint val="15000"/>
-                <a:satMod val="350000"/>
-              </a:schemeClr>
-            </a:gs>
-          </a:gsLst>
-          <a:lin ang="16200000" scaled="1"/>
-        </a:gradFill>
-        <a:gradFill rotWithShape="1">
-          <a:gsLst>
-            <a:gs pos="0">
-              <a:schemeClr val="phClr">
-                <a:tint val="100000"/>
-                <a:shade val="100000"/>
-                <a:satMod val="130000"/>
-              </a:schemeClr>
-            </a:gs>
-            <a:gs pos="100000">
-              <a:schemeClr val="phClr">
-                <a:tint val="50000"/>
-                <a:shade val="100000"/>
-                <a:satMod val="350000"/>
-              </a:schemeClr>
-            </a:gs>
-          </a:gsLst>
-          <a:lin ang="16200000" scaled="0"/>
-        </a:gradFill>
-      </a:fillStyleLst>
-      <a:lnStyleLst>
-        <a:ln w="9525" cap="flat" cmpd="sng" algn="ctr">
-          <a:solidFill>
-            <a:schemeClr val="phClr">
-              <a:shade val="95000"/>
-              <a:satMod val="105000"/>
-            </a:schemeClr>
-          </a:solidFill>
-          <a:prstDash val="solid"/>
-        </a:ln>
-        <a:ln w="25400" cap="flat" cmpd="sng" algn="ctr">
-          <a:solidFill>
-            <a:schemeClr val="phClr"/>
-          </a:solidFill>
-          <a:prstDash val="solid"/>
-        </a:ln>
-        <a:ln w="38100" cap="flat" cmpd="sng" algn="ctr">
-          <a:solidFill>
-            <a:schemeClr val="phClr"/>
-          </a:solidFill>
-          <a:prstDash val="solid"/>
-        </a:ln>
-      </a:lnStyleLst>
-      <a:effectStyleLst>
-        <a:effectStyle>
-          <a:effectLst>
-            <a:outerShdw blurRad="40000" dist="20000" dir="5400000" rotWithShape="0">
-              <a:srgbClr val="000000">
-                <a:alpha val="38000"/>
-              </a:srgbClr>
-            </a:outerShdw>
-          </a:effectLst>
-        </a:effectStyle>
-        <a:effectStyle>
-          <a:effectLst>
-            <a:outerShdw blurRad="40000" dist="23000" dir="5400000" rotWithShape="0">
-              <a:srgbClr val="000000">
-                <a:alpha val="35000"/>
-              </a:srgbClr>
-            </a:outerShdw>
-          </a:effectLst>
-        </a:effectStyle>
-        <a:effectStyle>
-          <a:effectLst>
-            <a:outerShdw blurRad="40000" dist="23000" dir="5400000" rotWithShape="0">
-              <a:srgbClr val="000000">
-                <a:alpha val="35000"/>
-              </a:srgbClr>
-            </a:outerShdw>
-          </a:effectLst>
-          <a:scene3d>
-            <a:camera prst="orthographicFront">
-              <a:rot lat="0" lon="0" rev="0"/>
-            </a:camera>
-            <a:lightRig rig="threePt" dir="t">
-              <a:rot lat="0" lon="0" rev="1200000"/>
-            </a:lightRig>
-          </a:scene3d>
-          <a:sp3d>
-            <a:bevelT w="63500" h="25400"/>
-          </a:sp3d>
-        </a:effectStyle>
-      </a:effectStyleLst>
-      <a:bgFillStyleLst>
-        <a:solidFill>
-          <a:schemeClr val="phClr"/>
-        </a:solidFill>
-        <a:gradFill rotWithShape="1">
-          <a:gsLst>
-            <a:gs pos="0">
-              <a:schemeClr val="phClr">
-                <a:tint val="40000"/>
-                <a:satMod val="350000"/>
-              </a:schemeClr>
-            </a:gs>
-            <a:gs pos="40000">
-              <a:schemeClr val="phClr">
-                <a:tint val="45000"/>
-                <a:shade val="99000"/>
-                <a:satMod val="350000"/>
-              </a:schemeClr>
-            </a:gs>
-            <a:gs pos="100000">
-              <a:schemeClr val="phClr">
-                <a:shade val="20000"/>
-                <a:satMod val="255000"/>
-              </a:schemeClr>
-            </a:gs>
-          </a:gsLst>
-          <a:path path="circle">
-            <a:fillToRect l="50000" t="-80000" r="50000" b="180000"/>
-          </a:path>
-        </a:gradFill>
-        <a:gradFill rotWithShape="1">
-          <a:gsLst>
-            <a:gs pos="0">
-              <a:schemeClr val="phClr">
-                <a:tint val="80000"/>
-                <a:satMod val="300000"/>
-              </a:schemeClr>
-            </a:gs>
-            <a:gs pos="100000">
-              <a:schemeClr val="phClr">
-                <a:shade val="30000"/>
-                <a:satMod val="200000"/>
-              </a:schemeClr>
-            </a:gs>
-          </a:gsLst>
-          <a:path path="circle">
-            <a:fillToRect l="50000" t="50000" r="50000" b="50000"/>
-          </a:path>
-        </a:gradFill>
-      </a:bgFillStyleLst>
-    </a:fmtScheme>
-  </a:themeElements>
-</a:theme>
 </file>
--- a/Documents/pptx/NaoPptx.pptx
+++ b/Documents/pptx/NaoPptx.pptx
@@ -19,6 +19,8 @@
     <p:sldId id="264" r:id="rId15"/>
     <p:sldId id="265" r:id="rId16"/>
     <p:sldId id="266" r:id="rId17"/>
+    <p:sldId id="267" r:id="rId18"/>
+    <p:sldId id="268" r:id="rId19"/>
   </p:sldIdLst>
   <p:sldSz cy="5143500" cx="9144000"/>
   <p:notesSz cx="6858000" cy="9144000"/>
@@ -801,7 +803,7 @@
   <p:cSld>
     <p:spTree>
       <p:nvGrpSpPr>
-        <p:cNvPr id="115" name="Shape 115"/>
+        <p:cNvPr id="116" name="Shape 116"/>
         <p:cNvGrpSpPr/>
         <p:nvPr/>
       </p:nvGrpSpPr>
@@ -815,7 +817,7 @@
       </p:grpSpPr>
       <p:sp>
         <p:nvSpPr>
-          <p:cNvPr id="116" name="Google Shape;116;gfcdef6d654_2_18:notes"/>
+          <p:cNvPr id="117" name="Google Shape;117;gf83a27dc8d_0_0:notes"/>
           <p:cNvSpPr/>
           <p:nvPr>
             <p:ph idx="2" type="sldImg"/>
@@ -850,7 +852,7 @@
       </p:sp>
       <p:sp>
         <p:nvSpPr>
-          <p:cNvPr id="117" name="Google Shape;117;gfcdef6d654_2_18:notes"/>
+          <p:cNvPr id="118" name="Google Shape;118;gf83a27dc8d_0_0:notes"/>
           <p:cNvSpPr txBox="1"/>
           <p:nvPr>
             <p:ph idx="1" type="body"/>
@@ -881,7 +883,8 @@
               <a:buNone/>
             </a:pPr>
             <a:r>
-              <a:t/>
+              <a:rPr lang="it"/>
+              <a:t>BFA tempo esponenziale, Strips anche ma con curva decisamente più ribassata</a:t>
             </a:r>
             <a:endParaRPr/>
           </a:p>
@@ -914,7 +917,7 @@
       </p:grpSpPr>
       <p:sp>
         <p:nvSpPr>
-          <p:cNvPr id="123" name="Google Shape;123;gfcdef6d654_2_23:notes"/>
+          <p:cNvPr id="123" name="Google Shape;123;gfcdef6d654_2_18:notes"/>
           <p:cNvSpPr/>
           <p:nvPr>
             <p:ph idx="2" type="sldImg"/>
@@ -949,7 +952,206 @@
       </p:sp>
       <p:sp>
         <p:nvSpPr>
-          <p:cNvPr id="124" name="Google Shape;124;gfcdef6d654_2_23:notes"/>
+          <p:cNvPr id="124" name="Google Shape;124;gfcdef6d654_2_18:notes"/>
+          <p:cNvSpPr txBox="1"/>
+          <p:nvPr>
+            <p:ph idx="1" type="body"/>
+          </p:nvPr>
+        </p:nvSpPr>
+        <p:spPr>
+          <a:xfrm>
+            <a:off x="685800" y="4343400"/>
+            <a:ext cx="5486400" cy="4114800"/>
+          </a:xfrm>
+          <a:prstGeom prst="rect">
+            <a:avLst/>
+          </a:prstGeom>
+        </p:spPr>
+        <p:txBody>
+          <a:bodyPr anchorCtr="0" anchor="t" bIns="91425" lIns="91425" spcFirstLastPara="1" rIns="91425" wrap="square" tIns="91425">
+            <a:noAutofit/>
+          </a:bodyPr>
+          <a:lstStyle/>
+          <a:p>
+            <a:pPr indent="0" lvl="0" marL="0" rtl="0" algn="l">
+              <a:spcBef>
+                <a:spcPts val="0"/>
+              </a:spcBef>
+              <a:spcAft>
+                <a:spcPts val="0"/>
+              </a:spcAft>
+              <a:buNone/>
+            </a:pPr>
+            <a:r>
+              <a:t/>
+            </a:r>
+            <a:endParaRPr/>
+          </a:p>
+        </p:txBody>
+      </p:sp>
+    </p:spTree>
+  </p:cSld>
+  <p:clrMapOvr>
+    <a:masterClrMapping/>
+  </p:clrMapOvr>
+</p:notes>
+</file>
+
+<file path=ppt/notesSlides/notesSlide12.xml><?xml version="1.0" encoding="utf-8"?>
+<p:notes xmlns:a="http://schemas.openxmlformats.org/drawingml/2006/main" xmlns:r="http://schemas.openxmlformats.org/officeDocument/2006/relationships" xmlns:mc="http://schemas.openxmlformats.org/markup-compatibility/2006" xmlns:mv="urn:schemas-microsoft-com:mac:vml" xmlns:p="http://schemas.openxmlformats.org/presentationml/2006/main" xmlns:c="http://schemas.openxmlformats.org/drawingml/2006/chart" xmlns:dgm="http://schemas.openxmlformats.org/drawingml/2006/diagram" xmlns:o="urn:schemas-microsoft-com:office:office" xmlns:v="urn:schemas-microsoft-com:vml" xmlns:pvml="urn:schemas-microsoft-com:office:powerpoint" xmlns:com="http://schemas.openxmlformats.org/drawingml/2006/compatibility" xmlns:p14="http://schemas.microsoft.com/office/powerpoint/2010/main" xmlns:p15="http://schemas.microsoft.com/office/powerpoint/2012/main" xmlns:ahyp="http://schemas.microsoft.com/office/drawing/2018/hyperlinkcolor" showMasterPhAnim="0" showMasterSp="0">
+  <p:cSld>
+    <p:spTree>
+      <p:nvGrpSpPr>
+        <p:cNvPr id="129" name="Shape 129"/>
+        <p:cNvGrpSpPr/>
+        <p:nvPr/>
+      </p:nvGrpSpPr>
+      <p:grpSpPr>
+        <a:xfrm>
+          <a:off x="0" y="0"/>
+          <a:ext cx="0" cy="0"/>
+          <a:chOff x="0" y="0"/>
+          <a:chExt cx="0" cy="0"/>
+        </a:xfrm>
+      </p:grpSpPr>
+      <p:sp>
+        <p:nvSpPr>
+          <p:cNvPr id="130" name="Google Shape;130;gfd5c49572e_0_1:notes"/>
+          <p:cNvSpPr/>
+          <p:nvPr>
+            <p:ph idx="2" type="sldImg"/>
+          </p:nvPr>
+        </p:nvSpPr>
+        <p:spPr>
+          <a:xfrm>
+            <a:off x="381300" y="685800"/>
+            <a:ext cx="6096000" cy="3429000"/>
+          </a:xfrm>
+          <a:custGeom>
+            <a:rect b="b" l="l" r="r" t="t"/>
+            <a:pathLst>
+              <a:path extrusionOk="0" h="120000" w="120000">
+                <a:moveTo>
+                  <a:pt x="0" y="0"/>
+                </a:moveTo>
+                <a:lnTo>
+                  <a:pt x="120000" y="0"/>
+                </a:lnTo>
+                <a:lnTo>
+                  <a:pt x="120000" y="120000"/>
+                </a:lnTo>
+                <a:lnTo>
+                  <a:pt x="0" y="120000"/>
+                </a:lnTo>
+                <a:close/>
+              </a:path>
+            </a:pathLst>
+          </a:custGeom>
+        </p:spPr>
+      </p:sp>
+      <p:sp>
+        <p:nvSpPr>
+          <p:cNvPr id="131" name="Google Shape;131;gfd5c49572e_0_1:notes"/>
+          <p:cNvSpPr txBox="1"/>
+          <p:nvPr>
+            <p:ph idx="1" type="body"/>
+          </p:nvPr>
+        </p:nvSpPr>
+        <p:spPr>
+          <a:xfrm>
+            <a:off x="685800" y="4343400"/>
+            <a:ext cx="5486400" cy="4114800"/>
+          </a:xfrm>
+          <a:prstGeom prst="rect">
+            <a:avLst/>
+          </a:prstGeom>
+        </p:spPr>
+        <p:txBody>
+          <a:bodyPr anchorCtr="0" anchor="t" bIns="91425" lIns="91425" spcFirstLastPara="1" rIns="91425" wrap="square" tIns="91425">
+            <a:noAutofit/>
+          </a:bodyPr>
+          <a:lstStyle/>
+          <a:p>
+            <a:pPr indent="0" lvl="0" marL="0" rtl="0" algn="l">
+              <a:spcBef>
+                <a:spcPts val="0"/>
+              </a:spcBef>
+              <a:spcAft>
+                <a:spcPts val="0"/>
+              </a:spcAft>
+              <a:buNone/>
+            </a:pPr>
+            <a:r>
+              <a:rPr lang="it"/>
+              <a:t>Descrivere come interagisce NAO con l’utente e i problemi riscontrati anche perchè non siamo in possesso di un NAO reale</a:t>
+            </a:r>
+            <a:endParaRPr/>
+          </a:p>
+        </p:txBody>
+      </p:sp>
+    </p:spTree>
+  </p:cSld>
+  <p:clrMapOvr>
+    <a:masterClrMapping/>
+  </p:clrMapOvr>
+</p:notes>
+</file>
+
+<file path=ppt/notesSlides/notesSlide13.xml><?xml version="1.0" encoding="utf-8"?>
+<p:notes xmlns:a="http://schemas.openxmlformats.org/drawingml/2006/main" xmlns:r="http://schemas.openxmlformats.org/officeDocument/2006/relationships" xmlns:mc="http://schemas.openxmlformats.org/markup-compatibility/2006" xmlns:mv="urn:schemas-microsoft-com:mac:vml" xmlns:p="http://schemas.openxmlformats.org/presentationml/2006/main" xmlns:c="http://schemas.openxmlformats.org/drawingml/2006/chart" xmlns:dgm="http://schemas.openxmlformats.org/drawingml/2006/diagram" xmlns:o="urn:schemas-microsoft-com:office:office" xmlns:v="urn:schemas-microsoft-com:vml" xmlns:pvml="urn:schemas-microsoft-com:office:powerpoint" xmlns:com="http://schemas.openxmlformats.org/drawingml/2006/compatibility" xmlns:p14="http://schemas.microsoft.com/office/powerpoint/2010/main" xmlns:p15="http://schemas.microsoft.com/office/powerpoint/2012/main" xmlns:ahyp="http://schemas.microsoft.com/office/drawing/2018/hyperlinkcolor" showMasterPhAnim="0" showMasterSp="0">
+  <p:cSld>
+    <p:spTree>
+      <p:nvGrpSpPr>
+        <p:cNvPr id="136" name="Shape 136"/>
+        <p:cNvGrpSpPr/>
+        <p:nvPr/>
+      </p:nvGrpSpPr>
+      <p:grpSpPr>
+        <a:xfrm>
+          <a:off x="0" y="0"/>
+          <a:ext cx="0" cy="0"/>
+          <a:chOff x="0" y="0"/>
+          <a:chExt cx="0" cy="0"/>
+        </a:xfrm>
+      </p:grpSpPr>
+      <p:sp>
+        <p:nvSpPr>
+          <p:cNvPr id="137" name="Google Shape;137;gfcdef6d654_2_23:notes"/>
+          <p:cNvSpPr/>
+          <p:nvPr>
+            <p:ph idx="2" type="sldImg"/>
+          </p:nvPr>
+        </p:nvSpPr>
+        <p:spPr>
+          <a:xfrm>
+            <a:off x="381300" y="685800"/>
+            <a:ext cx="6096000" cy="3429000"/>
+          </a:xfrm>
+          <a:custGeom>
+            <a:rect b="b" l="l" r="r" t="t"/>
+            <a:pathLst>
+              <a:path extrusionOk="0" h="120000" w="120000">
+                <a:moveTo>
+                  <a:pt x="0" y="0"/>
+                </a:moveTo>
+                <a:lnTo>
+                  <a:pt x="120000" y="0"/>
+                </a:lnTo>
+                <a:lnTo>
+                  <a:pt x="120000" y="120000"/>
+                </a:lnTo>
+                <a:lnTo>
+                  <a:pt x="0" y="120000"/>
+                </a:lnTo>
+                <a:close/>
+              </a:path>
+            </a:pathLst>
+          </a:custGeom>
+        </p:spPr>
+      </p:sp>
+      <p:sp>
+        <p:nvSpPr>
+          <p:cNvPr id="138" name="Google Shape;138;gfcdef6d654_2_23:notes"/>
           <p:cNvSpPr txBox="1"/>
           <p:nvPr>
             <p:ph idx="1" type="body"/>
@@ -1099,7 +1301,7 @@
   <p:cSld>
     <p:spTree>
       <p:nvGrpSpPr>
-        <p:cNvPr id="66" name="Shape 66"/>
+        <p:cNvPr id="67" name="Shape 67"/>
         <p:cNvGrpSpPr/>
         <p:nvPr/>
       </p:nvGrpSpPr>
@@ -1113,7 +1315,7 @@
       </p:grpSpPr>
       <p:sp>
         <p:nvSpPr>
-          <p:cNvPr id="67" name="Google Shape;67;gfcdef6d654_0_0:notes"/>
+          <p:cNvPr id="68" name="Google Shape;68;gfcdef6d654_0_0:notes"/>
           <p:cNvSpPr/>
           <p:nvPr>
             <p:ph idx="2" type="sldImg"/>
@@ -1148,7 +1350,7 @@
       </p:sp>
       <p:sp>
         <p:nvSpPr>
-          <p:cNvPr id="68" name="Google Shape;68;gfcdef6d654_0_0:notes"/>
+          <p:cNvPr id="69" name="Google Shape;69;gfcdef6d654_0_0:notes"/>
           <p:cNvSpPr txBox="1"/>
           <p:nvPr>
             <p:ph idx="1" type="body"/>
@@ -1199,7 +1401,7 @@
   <p:cSld>
     <p:spTree>
       <p:nvGrpSpPr>
-        <p:cNvPr id="73" name="Shape 73"/>
+        <p:cNvPr id="74" name="Shape 74"/>
         <p:cNvGrpSpPr/>
         <p:nvPr/>
       </p:nvGrpSpPr>
@@ -1213,7 +1415,7 @@
       </p:grpSpPr>
       <p:sp>
         <p:nvSpPr>
-          <p:cNvPr id="74" name="Google Shape;74;gfcdef6d654_0_32:notes"/>
+          <p:cNvPr id="75" name="Google Shape;75;gfcdef6d654_0_32:notes"/>
           <p:cNvSpPr/>
           <p:nvPr>
             <p:ph idx="2" type="sldImg"/>
@@ -1248,7 +1450,7 @@
       </p:sp>
       <p:sp>
         <p:nvSpPr>
-          <p:cNvPr id="75" name="Google Shape;75;gfcdef6d654_0_32:notes"/>
+          <p:cNvPr id="76" name="Google Shape;76;gfcdef6d654_0_32:notes"/>
           <p:cNvSpPr txBox="1"/>
           <p:nvPr>
             <p:ph idx="1" type="body"/>
@@ -1299,7 +1501,7 @@
   <p:cSld>
     <p:spTree>
       <p:nvGrpSpPr>
-        <p:cNvPr id="80" name="Shape 80"/>
+        <p:cNvPr id="81" name="Shape 81"/>
         <p:cNvGrpSpPr/>
         <p:nvPr/>
       </p:nvGrpSpPr>
@@ -1313,7 +1515,7 @@
       </p:grpSpPr>
       <p:sp>
         <p:nvSpPr>
-          <p:cNvPr id="81" name="Google Shape;81;gfcdef6d654_2_43:notes"/>
+          <p:cNvPr id="82" name="Google Shape;82;gfcdef6d654_2_43:notes"/>
           <p:cNvSpPr/>
           <p:nvPr>
             <p:ph idx="2" type="sldImg"/>
@@ -1348,7 +1550,7 @@
       </p:sp>
       <p:sp>
         <p:nvSpPr>
-          <p:cNvPr id="82" name="Google Shape;82;gfcdef6d654_2_43:notes"/>
+          <p:cNvPr id="83" name="Google Shape;83;gfcdef6d654_2_43:notes"/>
           <p:cNvSpPr txBox="1"/>
           <p:nvPr>
             <p:ph idx="1" type="body"/>
@@ -1384,6 +1586,37 @@
             </a:r>
             <a:endParaRPr/>
           </a:p>
+          <a:p>
+            <a:pPr indent="0" lvl="0" marL="0" rtl="0" algn="l">
+              <a:spcBef>
+                <a:spcPts val="0"/>
+              </a:spcBef>
+              <a:spcAft>
+                <a:spcPts val="0"/>
+              </a:spcAft>
+              <a:buNone/>
+            </a:pPr>
+            <a:r>
+              <a:t/>
+            </a:r>
+            <a:endParaRPr/>
+          </a:p>
+          <a:p>
+            <a:pPr indent="0" lvl="0" marL="0" rtl="0" algn="l">
+              <a:spcBef>
+                <a:spcPts val="0"/>
+              </a:spcBef>
+              <a:spcAft>
+                <a:spcPts val="0"/>
+              </a:spcAft>
+              <a:buNone/>
+            </a:pPr>
+            <a:r>
+              <a:rPr lang="it"/>
+              <a:t>perchè scegliamo queste? includere.</a:t>
+            </a:r>
+            <a:endParaRPr/>
+          </a:p>
         </p:txBody>
       </p:sp>
     </p:spTree>
@@ -1399,7 +1632,7 @@
   <p:cSld>
     <p:spTree>
       <p:nvGrpSpPr>
-        <p:cNvPr id="88" name="Shape 88"/>
+        <p:cNvPr id="89" name="Shape 89"/>
         <p:cNvGrpSpPr/>
         <p:nvPr/>
       </p:nvGrpSpPr>
@@ -1413,7 +1646,7 @@
       </p:grpSpPr>
       <p:sp>
         <p:nvSpPr>
-          <p:cNvPr id="89" name="Google Shape;89;gfcdef6d654_0_39:notes"/>
+          <p:cNvPr id="90" name="Google Shape;90;gfcdef6d654_0_39:notes"/>
           <p:cNvSpPr/>
           <p:nvPr>
             <p:ph idx="2" type="sldImg"/>
@@ -1448,7 +1681,7 @@
       </p:sp>
       <p:sp>
         <p:nvSpPr>
-          <p:cNvPr id="90" name="Google Shape;90;gfcdef6d654_0_39:notes"/>
+          <p:cNvPr id="91" name="Google Shape;91;gfcdef6d654_0_39:notes"/>
           <p:cNvSpPr txBox="1"/>
           <p:nvPr>
             <p:ph idx="1" type="body"/>
@@ -1499,7 +1732,7 @@
   <p:cSld>
     <p:spTree>
       <p:nvGrpSpPr>
-        <p:cNvPr id="96" name="Shape 96"/>
+        <p:cNvPr id="97" name="Shape 97"/>
         <p:cNvGrpSpPr/>
         <p:nvPr/>
       </p:nvGrpSpPr>
@@ -1513,7 +1746,7 @@
       </p:grpSpPr>
       <p:sp>
         <p:nvSpPr>
-          <p:cNvPr id="97" name="Google Shape;97;gfcdef6d654_0_5:notes"/>
+          <p:cNvPr id="98" name="Google Shape;98;gfd3adfb0f0_0_0:notes"/>
           <p:cNvSpPr/>
           <p:nvPr>
             <p:ph idx="2" type="sldImg"/>
@@ -1548,7 +1781,7 @@
       </p:sp>
       <p:sp>
         <p:nvSpPr>
-          <p:cNvPr id="98" name="Google Shape;98;gfcdef6d654_0_5:notes"/>
+          <p:cNvPr id="99" name="Google Shape;99;gfd3adfb0f0_0_0:notes"/>
           <p:cNvSpPr txBox="1"/>
           <p:nvPr>
             <p:ph idx="1" type="body"/>
@@ -1579,8 +1812,7 @@
               <a:buNone/>
             </a:pPr>
             <a:r>
-              <a:rPr lang="it"/>
-              <a:t>Descrivere come interagisce NAO con l’utente e i problemi riscontrati anche perchè non siamo in possesso di un NAO reale</a:t>
+              <a:t/>
             </a:r>
             <a:endParaRPr/>
           </a:p>
@@ -1613,7 +1845,7 @@
       </p:grpSpPr>
       <p:sp>
         <p:nvSpPr>
-          <p:cNvPr id="104" name="Google Shape;104;gfcdef6d654_0_22:notes"/>
+          <p:cNvPr id="104" name="Google Shape;104;gfcdef6d654_0_5:notes"/>
           <p:cNvSpPr/>
           <p:nvPr>
             <p:ph idx="2" type="sldImg"/>
@@ -1648,7 +1880,7 @@
       </p:sp>
       <p:sp>
         <p:nvSpPr>
-          <p:cNvPr id="105" name="Google Shape;105;gfcdef6d654_0_22:notes"/>
+          <p:cNvPr id="105" name="Google Shape;105;gfcdef6d654_0_5:notes"/>
           <p:cNvSpPr txBox="1"/>
           <p:nvPr>
             <p:ph idx="1" type="body"/>
@@ -1680,7 +1912,7 @@
             </a:pPr>
             <a:r>
               <a:rPr lang="it"/>
-              <a:t>mosse uguali, durate viste meglio nella prossima slide</a:t>
+              <a:t>Descrivere come interagisce NAO con l’utente e i problemi riscontrati anche perchè non siamo in possesso di un NAO reale</a:t>
             </a:r>
             <a:endParaRPr/>
           </a:p>
@@ -1699,7 +1931,7 @@
   <p:cSld>
     <p:spTree>
       <p:nvGrpSpPr>
-        <p:cNvPr id="109" name="Shape 109"/>
+        <p:cNvPr id="110" name="Shape 110"/>
         <p:cNvGrpSpPr/>
         <p:nvPr/>
       </p:nvGrpSpPr>
@@ -1713,7 +1945,7 @@
       </p:grpSpPr>
       <p:sp>
         <p:nvSpPr>
-          <p:cNvPr id="110" name="Google Shape;110;gf83a27dc8d_0_0:notes"/>
+          <p:cNvPr id="111" name="Google Shape;111;gfcdef6d654_0_22:notes"/>
           <p:cNvSpPr/>
           <p:nvPr>
             <p:ph idx="2" type="sldImg"/>
@@ -1748,7 +1980,7 @@
       </p:sp>
       <p:sp>
         <p:nvSpPr>
-          <p:cNvPr id="111" name="Google Shape;111;gf83a27dc8d_0_0:notes"/>
+          <p:cNvPr id="112" name="Google Shape;112;gfcdef6d654_0_22:notes"/>
           <p:cNvSpPr txBox="1"/>
           <p:nvPr>
             <p:ph idx="1" type="body"/>
@@ -1780,7 +2012,7 @@
             </a:pPr>
             <a:r>
               <a:rPr lang="it"/>
-              <a:t>BFA tempo esponenziale, Strips anche ma con curva decisamente più ribassata</a:t>
+              <a:t>mosse uguali, durate viste meglio nella prossima slide</a:t>
             </a:r>
             <a:endParaRPr/>
           </a:p>
@@ -6645,7 +6877,7 @@
   <p:cSld>
     <p:spTree>
       <p:nvGrpSpPr>
-        <p:cNvPr id="118" name="Shape 118"/>
+        <p:cNvPr id="119" name="Shape 119"/>
         <p:cNvGrpSpPr/>
         <p:nvPr/>
       </p:nvGrpSpPr>
@@ -6659,7 +6891,104 @@
       </p:grpSpPr>
       <p:pic>
         <p:nvPicPr>
-          <p:cNvPr id="119" name="Google Shape;119;p22"/>
+          <p:cNvPr id="120" name="Google Shape;120;p22" title="Points scored"/>
+          <p:cNvPicPr preferRelativeResize="0"/>
+          <p:nvPr/>
+        </p:nvPicPr>
+        <p:blipFill>
+          <a:blip r:embed="rId3">
+            <a:alphaModFix/>
+          </a:blip>
+          <a:stretch>
+            <a:fillRect/>
+          </a:stretch>
+        </p:blipFill>
+        <p:spPr>
+          <a:xfrm>
+            <a:off x="624575" y="850700"/>
+            <a:ext cx="7060524" cy="4365750"/>
+          </a:xfrm>
+          <a:prstGeom prst="rect">
+            <a:avLst/>
+          </a:prstGeom>
+          <a:noFill/>
+          <a:ln>
+            <a:noFill/>
+          </a:ln>
+        </p:spPr>
+      </p:pic>
+      <p:sp>
+        <p:nvSpPr>
+          <p:cNvPr id="121" name="Google Shape;121;p22"/>
+          <p:cNvSpPr txBox="1"/>
+          <p:nvPr>
+            <p:ph type="title"/>
+          </p:nvPr>
+        </p:nvSpPr>
+        <p:spPr>
+          <a:xfrm>
+            <a:off x="311700" y="445025"/>
+            <a:ext cx="8520600" cy="572700"/>
+          </a:xfrm>
+          <a:prstGeom prst="rect">
+            <a:avLst/>
+          </a:prstGeom>
+        </p:spPr>
+        <p:txBody>
+          <a:bodyPr anchorCtr="0" anchor="t" bIns="91425" lIns="91425" spcFirstLastPara="1" rIns="91425" wrap="square" tIns="91425">
+            <a:normAutofit fontScale="90000"/>
+          </a:bodyPr>
+          <a:lstStyle/>
+          <a:p>
+            <a:pPr indent="0" lvl="0" marL="0" rtl="0" algn="l">
+              <a:spcBef>
+                <a:spcPts val="0"/>
+              </a:spcBef>
+              <a:spcAft>
+                <a:spcPts val="0"/>
+              </a:spcAft>
+              <a:buNone/>
+            </a:pPr>
+            <a:r>
+              <a:rPr lang="it"/>
+              <a:t>Comparazione </a:t>
+            </a:r>
+            <a:r>
+              <a:rPr lang="it"/>
+              <a:t>Risultati (Su 10 Test) - Tempo di risoluzione</a:t>
+            </a:r>
+            <a:endParaRPr/>
+          </a:p>
+        </p:txBody>
+      </p:sp>
+    </p:spTree>
+  </p:cSld>
+  <p:clrMapOvr>
+    <a:masterClrMapping/>
+  </p:clrMapOvr>
+</p:sld>
+</file>
+
+<file path=ppt/slides/slide11.xml><?xml version="1.0" encoding="utf-8"?>
+<p:sld xmlns:a="http://schemas.openxmlformats.org/drawingml/2006/main" xmlns:r="http://schemas.openxmlformats.org/officeDocument/2006/relationships" xmlns:mc="http://schemas.openxmlformats.org/markup-compatibility/2006" xmlns:mv="urn:schemas-microsoft-com:mac:vml" xmlns:p="http://schemas.openxmlformats.org/presentationml/2006/main" xmlns:c="http://schemas.openxmlformats.org/drawingml/2006/chart" xmlns:dgm="http://schemas.openxmlformats.org/drawingml/2006/diagram" xmlns:o="urn:schemas-microsoft-com:office:office" xmlns:v="urn:schemas-microsoft-com:vml" xmlns:pvml="urn:schemas-microsoft-com:office:powerpoint" xmlns:com="http://schemas.openxmlformats.org/drawingml/2006/compatibility" xmlns:p14="http://schemas.microsoft.com/office/powerpoint/2010/main" xmlns:p15="http://schemas.microsoft.com/office/powerpoint/2012/main" xmlns:ahyp="http://schemas.microsoft.com/office/drawing/2018/hyperlinkcolor">
+  <p:cSld>
+    <p:spTree>
+      <p:nvGrpSpPr>
+        <p:cNvPr id="125" name="Shape 125"/>
+        <p:cNvGrpSpPr/>
+        <p:nvPr/>
+      </p:nvGrpSpPr>
+      <p:grpSpPr>
+        <a:xfrm>
+          <a:off x="0" y="0"/>
+          <a:ext cx="0" cy="0"/>
+          <a:chOff x="0" y="0"/>
+          <a:chExt cx="0" cy="0"/>
+        </a:xfrm>
+      </p:grpSpPr>
+      <p:pic>
+        <p:nvPicPr>
+          <p:cNvPr id="126" name="Google Shape;126;p23"/>
           <p:cNvPicPr preferRelativeResize="0"/>
           <p:nvPr/>
         </p:nvPicPr>
@@ -6687,7 +7016,7 @@
       </p:pic>
       <p:sp>
         <p:nvSpPr>
-          <p:cNvPr id="120" name="Google Shape;120;p22"/>
+          <p:cNvPr id="127" name="Google Shape;127;p23"/>
           <p:cNvSpPr txBox="1"/>
           <p:nvPr>
             <p:ph type="title"/>
@@ -6742,7 +7071,7 @@
       </p:sp>
       <p:pic>
         <p:nvPicPr>
-          <p:cNvPr id="121" name="Google Shape;121;p22"/>
+          <p:cNvPr id="128" name="Google Shape;128;p23"/>
           <p:cNvPicPr preferRelativeResize="0"/>
           <p:nvPr/>
         </p:nvPicPr>
@@ -6776,12 +7105,12 @@
 </p:sld>
 </file>
 
-<file path=ppt/slides/slide11.xml><?xml version="1.0" encoding="utf-8"?>
+<file path=ppt/slides/slide12.xml><?xml version="1.0" encoding="utf-8"?>
 <p:sld xmlns:a="http://schemas.openxmlformats.org/drawingml/2006/main" xmlns:r="http://schemas.openxmlformats.org/officeDocument/2006/relationships" xmlns:mc="http://schemas.openxmlformats.org/markup-compatibility/2006" xmlns:mv="urn:schemas-microsoft-com:mac:vml" xmlns:p="http://schemas.openxmlformats.org/presentationml/2006/main" xmlns:c="http://schemas.openxmlformats.org/drawingml/2006/chart" xmlns:dgm="http://schemas.openxmlformats.org/drawingml/2006/diagram" xmlns:o="urn:schemas-microsoft-com:office:office" xmlns:v="urn:schemas-microsoft-com:vml" xmlns:pvml="urn:schemas-microsoft-com:office:powerpoint" xmlns:com="http://schemas.openxmlformats.org/drawingml/2006/compatibility" xmlns:p14="http://schemas.microsoft.com/office/powerpoint/2010/main" xmlns:p15="http://schemas.microsoft.com/office/powerpoint/2012/main" xmlns:ahyp="http://schemas.microsoft.com/office/drawing/2018/hyperlinkcolor">
   <p:cSld>
     <p:spTree>
       <p:nvGrpSpPr>
-        <p:cNvPr id="125" name="Shape 125"/>
+        <p:cNvPr id="132" name="Shape 132"/>
         <p:cNvGrpSpPr/>
         <p:nvPr/>
       </p:nvGrpSpPr>
@@ -6795,7 +7124,246 @@
       </p:grpSpPr>
       <p:sp>
         <p:nvSpPr>
-          <p:cNvPr id="126" name="Google Shape;126;p23"/>
+          <p:cNvPr id="133" name="Google Shape;133;p24"/>
+          <p:cNvSpPr txBox="1"/>
+          <p:nvPr>
+            <p:ph type="title"/>
+          </p:nvPr>
+        </p:nvSpPr>
+        <p:spPr>
+          <a:xfrm>
+            <a:off x="311700" y="445025"/>
+            <a:ext cx="8520600" cy="572700"/>
+          </a:xfrm>
+          <a:prstGeom prst="rect">
+            <a:avLst/>
+          </a:prstGeom>
+        </p:spPr>
+        <p:txBody>
+          <a:bodyPr anchorCtr="0" anchor="t" bIns="91425" lIns="91425" spcFirstLastPara="1" rIns="91425" wrap="square" tIns="91425">
+            <a:normAutofit fontScale="90000"/>
+          </a:bodyPr>
+          <a:lstStyle/>
+          <a:p>
+            <a:pPr indent="0" lvl="0" marL="0" rtl="0" algn="l">
+              <a:spcBef>
+                <a:spcPts val="0"/>
+              </a:spcBef>
+              <a:spcAft>
+                <a:spcPts val="0"/>
+              </a:spcAft>
+              <a:buNone/>
+            </a:pPr>
+            <a:r>
+              <a:rPr lang="it"/>
+              <a:t>Estensioni future</a:t>
+            </a:r>
+            <a:endParaRPr/>
+          </a:p>
+        </p:txBody>
+      </p:sp>
+      <p:sp>
+        <p:nvSpPr>
+          <p:cNvPr id="134" name="Google Shape;134;p24"/>
+          <p:cNvSpPr txBox="1"/>
+          <p:nvPr>
+            <p:ph idx="1" type="body"/>
+          </p:nvPr>
+        </p:nvSpPr>
+        <p:spPr>
+          <a:xfrm>
+            <a:off x="311700" y="1152475"/>
+            <a:ext cx="8520600" cy="3416400"/>
+          </a:xfrm>
+          <a:prstGeom prst="rect">
+            <a:avLst/>
+          </a:prstGeom>
+          <a:ln cap="flat" cmpd="sng" w="28575">
+            <a:solidFill>
+              <a:schemeClr val="dk1"/>
+            </a:solidFill>
+            <a:prstDash val="solid"/>
+            <a:round/>
+            <a:headEnd len="sm" w="sm" type="none"/>
+            <a:tailEnd len="sm" w="sm" type="none"/>
+          </a:ln>
+        </p:spPr>
+        <p:txBody>
+          <a:bodyPr anchorCtr="0" anchor="t" bIns="91425" lIns="91425" spcFirstLastPara="1" rIns="91425" wrap="square" tIns="91425">
+            <a:normAutofit/>
+          </a:bodyPr>
+          <a:lstStyle/>
+          <a:p>
+            <a:pPr indent="0" lvl="0" marL="457200" rtl="0" algn="l">
+              <a:spcBef>
+                <a:spcPts val="0"/>
+              </a:spcBef>
+              <a:spcAft>
+                <a:spcPts val="0"/>
+              </a:spcAft>
+              <a:buNone/>
+            </a:pPr>
+            <a:r>
+              <a:t/>
+            </a:r>
+            <a:endParaRPr/>
+          </a:p>
+          <a:p>
+            <a:pPr indent="-342900" lvl="0" marL="457200" rtl="0" algn="l">
+              <a:spcBef>
+                <a:spcPts val="1200"/>
+              </a:spcBef>
+              <a:spcAft>
+                <a:spcPts val="0"/>
+              </a:spcAft>
+              <a:buSzPts val="1800"/>
+              <a:buChar char="●"/>
+            </a:pPr>
+            <a:r>
+              <a:rPr lang="it"/>
+              <a:t>Implementazione con nuove strategie </a:t>
+            </a:r>
+            <a:endParaRPr/>
+          </a:p>
+          <a:p>
+            <a:pPr indent="0" lvl="0" marL="457200" rtl="0" algn="l">
+              <a:spcBef>
+                <a:spcPts val="0"/>
+              </a:spcBef>
+              <a:spcAft>
+                <a:spcPts val="0"/>
+              </a:spcAft>
+              <a:buNone/>
+            </a:pPr>
+            <a:r>
+              <a:rPr lang="it"/>
+              <a:t>di ricerca informate</a:t>
+            </a:r>
+            <a:endParaRPr/>
+          </a:p>
+          <a:p>
+            <a:pPr indent="-342900" lvl="0" marL="457200" rtl="0" algn="l">
+              <a:spcBef>
+                <a:spcPts val="0"/>
+              </a:spcBef>
+              <a:spcAft>
+                <a:spcPts val="0"/>
+              </a:spcAft>
+              <a:buSzPts val="1800"/>
+              <a:buChar char="●"/>
+            </a:pPr>
+            <a:r>
+              <a:rPr lang="it"/>
+              <a:t>Interazioni con il Robot usando la libreria di </a:t>
+            </a:r>
+            <a:endParaRPr/>
+          </a:p>
+          <a:p>
+            <a:pPr indent="0" lvl="0" marL="457200" rtl="0" algn="l">
+              <a:spcBef>
+                <a:spcPts val="0"/>
+              </a:spcBef>
+              <a:spcAft>
+                <a:spcPts val="0"/>
+              </a:spcAft>
+              <a:buNone/>
+            </a:pPr>
+            <a:r>
+              <a:rPr lang="it"/>
+              <a:t>Google Speech</a:t>
+            </a:r>
+            <a:endParaRPr/>
+          </a:p>
+          <a:p>
+            <a:pPr indent="-342900" lvl="0" marL="457200" rtl="0" algn="l">
+              <a:spcBef>
+                <a:spcPts val="0"/>
+              </a:spcBef>
+              <a:spcAft>
+                <a:spcPts val="0"/>
+              </a:spcAft>
+              <a:buSzPts val="1800"/>
+              <a:buChar char="●"/>
+            </a:pPr>
+            <a:r>
+              <a:rPr lang="it"/>
+              <a:t>Inserimento di nuove stringhe per rendere </a:t>
+            </a:r>
+            <a:endParaRPr/>
+          </a:p>
+          <a:p>
+            <a:pPr indent="0" lvl="0" marL="457200" rtl="0" algn="l">
+              <a:spcBef>
+                <a:spcPts val="0"/>
+              </a:spcBef>
+              <a:spcAft>
+                <a:spcPts val="0"/>
+              </a:spcAft>
+              <a:buNone/>
+            </a:pPr>
+            <a:r>
+              <a:rPr lang="it"/>
+              <a:t>unica ogni esperienza utente con il NAO Robot</a:t>
+            </a:r>
+            <a:endParaRPr/>
+          </a:p>
+        </p:txBody>
+      </p:sp>
+      <p:pic>
+        <p:nvPicPr>
+          <p:cNvPr id="135" name="Google Shape;135;p24"/>
+          <p:cNvPicPr preferRelativeResize="0"/>
+          <p:nvPr/>
+        </p:nvPicPr>
+        <p:blipFill rotWithShape="1">
+          <a:blip r:embed="rId3">
+            <a:alphaModFix/>
+          </a:blip>
+          <a:srcRect b="8827" l="0" r="0" t="8827"/>
+          <a:stretch/>
+        </p:blipFill>
+        <p:spPr>
+          <a:xfrm>
+            <a:off x="5215300" y="703225"/>
+            <a:ext cx="3565800" cy="4235349"/>
+          </a:xfrm>
+          <a:prstGeom prst="rect">
+            <a:avLst/>
+          </a:prstGeom>
+          <a:noFill/>
+          <a:ln>
+            <a:noFill/>
+          </a:ln>
+        </p:spPr>
+      </p:pic>
+    </p:spTree>
+  </p:cSld>
+  <p:clrMapOvr>
+    <a:masterClrMapping/>
+  </p:clrMapOvr>
+</p:sld>
+</file>
+
+<file path=ppt/slides/slide13.xml><?xml version="1.0" encoding="utf-8"?>
+<p:sld xmlns:a="http://schemas.openxmlformats.org/drawingml/2006/main" xmlns:r="http://schemas.openxmlformats.org/officeDocument/2006/relationships" xmlns:mc="http://schemas.openxmlformats.org/markup-compatibility/2006" xmlns:mv="urn:schemas-microsoft-com:mac:vml" xmlns:p="http://schemas.openxmlformats.org/presentationml/2006/main" xmlns:c="http://schemas.openxmlformats.org/drawingml/2006/chart" xmlns:dgm="http://schemas.openxmlformats.org/drawingml/2006/diagram" xmlns:o="urn:schemas-microsoft-com:office:office" xmlns:v="urn:schemas-microsoft-com:vml" xmlns:pvml="urn:schemas-microsoft-com:office:powerpoint" xmlns:com="http://schemas.openxmlformats.org/drawingml/2006/compatibility" xmlns:p14="http://schemas.microsoft.com/office/powerpoint/2010/main" xmlns:p15="http://schemas.microsoft.com/office/powerpoint/2012/main" xmlns:ahyp="http://schemas.microsoft.com/office/drawing/2018/hyperlinkcolor">
+  <p:cSld>
+    <p:spTree>
+      <p:nvGrpSpPr>
+        <p:cNvPr id="139" name="Shape 139"/>
+        <p:cNvGrpSpPr/>
+        <p:nvPr/>
+      </p:nvGrpSpPr>
+      <p:grpSpPr>
+        <a:xfrm>
+          <a:off x="0" y="0"/>
+          <a:ext cx="0" cy="0"/>
+          <a:chOff x="0" y="0"/>
+          <a:chExt cx="0" cy="0"/>
+        </a:xfrm>
+      </p:grpSpPr>
+      <p:sp>
+        <p:nvSpPr>
+          <p:cNvPr id="140" name="Google Shape;140;p25"/>
           <p:cNvSpPr txBox="1"/>
           <p:nvPr>
             <p:ph type="title"/>
@@ -6835,7 +7403,7 @@
       </p:sp>
       <p:pic>
         <p:nvPicPr>
-          <p:cNvPr id="127" name="Google Shape;127;p23"/>
+          <p:cNvPr id="141" name="Google Shape;141;p25"/>
           <p:cNvPicPr preferRelativeResize="0"/>
           <p:nvPr/>
         </p:nvPicPr>
@@ -6863,7 +7431,7 @@
       </p:pic>
       <p:sp>
         <p:nvSpPr>
-          <p:cNvPr id="128" name="Google Shape;128;p23"/>
+          <p:cNvPr id="142" name="Google Shape;142;p25"/>
           <p:cNvSpPr txBox="1"/>
           <p:nvPr/>
         </p:nvSpPr>
@@ -6904,7 +7472,7 @@
       </p:sp>
       <p:sp>
         <p:nvSpPr>
-          <p:cNvPr id="129" name="Google Shape;129;p23"/>
+          <p:cNvPr id="143" name="Google Shape;143;p25"/>
           <p:cNvSpPr txBox="1"/>
           <p:nvPr/>
         </p:nvSpPr>
@@ -6973,6 +7541,88 @@
               <a:t>Gabriele Ragusa</a:t>
             </a:r>
             <a:endParaRPr/>
+          </a:p>
+        </p:txBody>
+      </p:sp>
+      <p:sp>
+        <p:nvSpPr>
+          <p:cNvPr id="144" name="Google Shape;144;p25"/>
+          <p:cNvSpPr txBox="1"/>
+          <p:nvPr/>
+        </p:nvSpPr>
+        <p:spPr>
+          <a:xfrm>
+            <a:off x="674400" y="2758675"/>
+            <a:ext cx="3266100" cy="561900"/>
+          </a:xfrm>
+          <a:prstGeom prst="rect">
+            <a:avLst/>
+          </a:prstGeom>
+          <a:noFill/>
+          <a:ln>
+            <a:noFill/>
+          </a:ln>
+        </p:spPr>
+        <p:txBody>
+          <a:bodyPr anchorCtr="0" anchor="t" bIns="91425" lIns="91425" spcFirstLastPara="1" rIns="91425" wrap="square" tIns="91425">
+            <a:spAutoFit/>
+          </a:bodyPr>
+          <a:lstStyle/>
+          <a:p>
+            <a:pPr indent="0" lvl="0" marL="0" rtl="0" algn="l">
+              <a:spcBef>
+                <a:spcPts val="0"/>
+              </a:spcBef>
+              <a:spcAft>
+                <a:spcPts val="0"/>
+              </a:spcAft>
+              <a:buNone/>
+            </a:pPr>
+            <a:r>
+              <a:rPr lang="it"/>
+              <a:t>Repo:</a:t>
+            </a:r>
+            <a:endParaRPr/>
+          </a:p>
+          <a:p>
+            <a:pPr indent="0" lvl="0" marL="0" rtl="0" algn="l">
+              <a:spcBef>
+                <a:spcPts val="0"/>
+              </a:spcBef>
+              <a:spcAft>
+                <a:spcPts val="0"/>
+              </a:spcAft>
+              <a:buNone/>
+            </a:pPr>
+            <a:r>
+              <a:rPr lang="it" sz="1050">
+                <a:solidFill>
+                  <a:srgbClr val="0000FF"/>
+                </a:solidFill>
+                <a:highlight>
+                  <a:schemeClr val="lt1"/>
+                </a:highlight>
+                <a:uFill>
+                  <a:noFill/>
+                </a:uFill>
+                <a:hlinkClick r:id="rId4">
+                  <a:extLst>
+                    <a:ext uri="{A12FA001-AC4F-418D-AE19-62706E023703}">
+                      <ahyp:hlinkClr val="tx"/>
+                    </a:ext>
+                  </a:extLst>
+                </a:hlinkClick>
+              </a:rPr>
+              <a:t>https://github.com/WWik/HaNAO-Tower</a:t>
+            </a:r>
+            <a:endParaRPr>
+              <a:solidFill>
+                <a:srgbClr val="0000FF"/>
+              </a:solidFill>
+              <a:highlight>
+                <a:schemeClr val="lt1"/>
+              </a:highlight>
+            </a:endParaRPr>
           </a:p>
         </p:txBody>
       </p:sp>
@@ -7146,6 +7796,34 @@
           </a:ln>
         </p:spPr>
       </p:pic>
+      <p:cxnSp>
+        <p:nvCxnSpPr>
+          <p:cNvPr id="66" name="Google Shape;66;p14"/>
+          <p:cNvCxnSpPr/>
+          <p:nvPr/>
+        </p:nvCxnSpPr>
+        <p:spPr>
+          <a:xfrm>
+            <a:off x="1697750" y="2702350"/>
+            <a:ext cx="4098600" cy="210900"/>
+          </a:xfrm>
+          <a:prstGeom prst="bentConnector3">
+            <a:avLst>
+              <a:gd fmla="val 736" name="adj1"/>
+            </a:avLst>
+          </a:prstGeom>
+          <a:noFill/>
+          <a:ln cap="flat" cmpd="sng" w="9525">
+            <a:solidFill>
+              <a:schemeClr val="dk2"/>
+            </a:solidFill>
+            <a:prstDash val="solid"/>
+            <a:round/>
+            <a:headEnd len="med" w="med" type="none"/>
+            <a:tailEnd len="med" w="med" type="triangle"/>
+          </a:ln>
+        </p:spPr>
+      </p:cxnSp>
     </p:spTree>
   </p:cSld>
   <p:clrMapOvr>
@@ -7159,7 +7837,7 @@
   <p:cSld>
     <p:spTree>
       <p:nvGrpSpPr>
-        <p:cNvPr id="69" name="Shape 69"/>
+        <p:cNvPr id="70" name="Shape 70"/>
         <p:cNvGrpSpPr/>
         <p:nvPr/>
       </p:nvGrpSpPr>
@@ -7173,7 +7851,7 @@
       </p:grpSpPr>
       <p:sp>
         <p:nvSpPr>
-          <p:cNvPr id="70" name="Google Shape;70;p15"/>
+          <p:cNvPr id="71" name="Google Shape;71;p15"/>
           <p:cNvSpPr txBox="1"/>
           <p:nvPr>
             <p:ph type="title"/>
@@ -7213,7 +7891,7 @@
       </p:sp>
       <p:sp>
         <p:nvSpPr>
-          <p:cNvPr id="71" name="Google Shape;71;p15"/>
+          <p:cNvPr id="72" name="Google Shape;72;p15"/>
           <p:cNvSpPr txBox="1"/>
           <p:nvPr>
             <p:ph idx="1" type="body"/>
@@ -7344,7 +8022,7 @@
       </p:sp>
       <p:pic>
         <p:nvPicPr>
-          <p:cNvPr id="72" name="Google Shape;72;p15"/>
+          <p:cNvPr id="73" name="Google Shape;73;p15"/>
           <p:cNvPicPr preferRelativeResize="0"/>
           <p:nvPr/>
         </p:nvPicPr>
@@ -7383,7 +8061,7 @@
   <p:cSld>
     <p:spTree>
       <p:nvGrpSpPr>
-        <p:cNvPr id="76" name="Shape 76"/>
+        <p:cNvPr id="77" name="Shape 77"/>
         <p:cNvGrpSpPr/>
         <p:nvPr/>
       </p:nvGrpSpPr>
@@ -7397,7 +8075,7 @@
       </p:grpSpPr>
       <p:sp>
         <p:nvSpPr>
-          <p:cNvPr id="77" name="Google Shape;77;p16"/>
+          <p:cNvPr id="78" name="Google Shape;78;p16"/>
           <p:cNvSpPr txBox="1"/>
           <p:nvPr>
             <p:ph type="title"/>
@@ -7437,7 +8115,7 @@
       </p:sp>
       <p:sp>
         <p:nvSpPr>
-          <p:cNvPr id="78" name="Google Shape;78;p16"/>
+          <p:cNvPr id="79" name="Google Shape;79;p16"/>
           <p:cNvSpPr txBox="1"/>
           <p:nvPr>
             <p:ph idx="1" type="body"/>
@@ -7494,7 +8172,7 @@
             </a:pPr>
             <a:r>
               <a:rPr lang="it"/>
-              <a:t>Naoqi Python Library</a:t>
+              <a:t>Naoqi Python Library (SDK)</a:t>
             </a:r>
             <a:endParaRPr/>
           </a:p>
@@ -7564,30 +8242,13 @@
               <a:rPr lang="it"/>
               <a:t>PyDDL</a:t>
             </a:r>
-            <a:endParaRPr/>
-          </a:p>
-          <a:p>
-            <a:pPr indent="-342900" lvl="0" marL="457200" rtl="0" algn="l">
-              <a:spcBef>
-                <a:spcPts val="0"/>
-              </a:spcBef>
-              <a:spcAft>
-                <a:spcPts val="0"/>
-              </a:spcAft>
-              <a:buSzPts val="1800"/>
-              <a:buChar char="●"/>
-            </a:pPr>
-            <a:r>
-              <a:rPr lang="it"/>
-              <a:t>Google</a:t>
-            </a:r>
-            <a:endParaRPr/>
+            <a:endParaRPr i="1"/>
           </a:p>
         </p:txBody>
       </p:sp>
       <p:pic>
         <p:nvPicPr>
-          <p:cNvPr id="79" name="Google Shape;79;p16"/>
+          <p:cNvPr id="80" name="Google Shape;80;p16"/>
           <p:cNvPicPr preferRelativeResize="0"/>
           <p:nvPr/>
         </p:nvPicPr>
@@ -7626,7 +8287,7 @@
   <p:cSld>
     <p:spTree>
       <p:nvGrpSpPr>
-        <p:cNvPr id="83" name="Shape 83"/>
+        <p:cNvPr id="84" name="Shape 84"/>
         <p:cNvGrpSpPr/>
         <p:nvPr/>
       </p:nvGrpSpPr>
@@ -7640,7 +8301,7 @@
       </p:grpSpPr>
       <p:sp>
         <p:nvSpPr>
-          <p:cNvPr id="84" name="Google Shape;84;p17"/>
+          <p:cNvPr id="85" name="Google Shape;85;p17"/>
           <p:cNvSpPr txBox="1"/>
           <p:nvPr>
             <p:ph type="title"/>
@@ -7680,7 +8341,7 @@
       </p:sp>
       <p:sp>
         <p:nvSpPr>
-          <p:cNvPr id="85" name="Google Shape;85;p17"/>
+          <p:cNvPr id="86" name="Google Shape;86;p17"/>
           <p:cNvSpPr txBox="1"/>
           <p:nvPr>
             <p:ph idx="1" type="body"/>
@@ -7729,7 +8390,7 @@
       </p:sp>
       <p:pic>
         <p:nvPicPr>
-          <p:cNvPr id="86" name="Google Shape;86;p17"/>
+          <p:cNvPr id="87" name="Google Shape;87;p17"/>
           <p:cNvPicPr preferRelativeResize="0"/>
           <p:nvPr/>
         </p:nvPicPr>
@@ -7757,7 +8418,7 @@
       </p:pic>
       <p:pic>
         <p:nvPicPr>
-          <p:cNvPr id="87" name="Google Shape;87;p17"/>
+          <p:cNvPr id="88" name="Google Shape;88;p17"/>
           <p:cNvPicPr preferRelativeResize="0"/>
           <p:nvPr/>
         </p:nvPicPr>
@@ -7796,7 +8457,7 @@
   <p:cSld>
     <p:spTree>
       <p:nvGrpSpPr>
-        <p:cNvPr id="91" name="Shape 91"/>
+        <p:cNvPr id="92" name="Shape 92"/>
         <p:cNvGrpSpPr/>
         <p:nvPr/>
       </p:nvGrpSpPr>
@@ -7810,7 +8471,7 @@
       </p:grpSpPr>
       <p:sp>
         <p:nvSpPr>
-          <p:cNvPr id="92" name="Google Shape;92;p18"/>
+          <p:cNvPr id="93" name="Google Shape;93;p18"/>
           <p:cNvSpPr txBox="1"/>
           <p:nvPr>
             <p:ph type="title"/>
@@ -7850,7 +8511,7 @@
       </p:sp>
       <p:sp>
         <p:nvSpPr>
-          <p:cNvPr id="93" name="Google Shape;93;p18"/>
+          <p:cNvPr id="94" name="Google Shape;94;p18"/>
           <p:cNvSpPr txBox="1"/>
           <p:nvPr>
             <p:ph idx="1" type="body"/>
@@ -7899,7 +8560,7 @@
       </p:sp>
       <p:pic>
         <p:nvPicPr>
-          <p:cNvPr id="94" name="Google Shape;94;p18"/>
+          <p:cNvPr id="95" name="Google Shape;95;p18"/>
           <p:cNvPicPr preferRelativeResize="0"/>
           <p:nvPr/>
         </p:nvPicPr>
@@ -7927,7 +8588,7 @@
       </p:pic>
       <p:pic>
         <p:nvPicPr>
-          <p:cNvPr id="95" name="Google Shape;95;p18"/>
+          <p:cNvPr id="96" name="Google Shape;96;p18"/>
           <p:cNvPicPr preferRelativeResize="0"/>
           <p:nvPr/>
         </p:nvPicPr>
@@ -7966,7 +8627,7 @@
   <p:cSld>
     <p:spTree>
       <p:nvGrpSpPr>
-        <p:cNvPr id="99" name="Shape 99"/>
+        <p:cNvPr id="100" name="Shape 100"/>
         <p:cNvGrpSpPr/>
         <p:nvPr/>
       </p:nvGrpSpPr>
@@ -7980,7 +8641,7 @@
       </p:grpSpPr>
       <p:sp>
         <p:nvSpPr>
-          <p:cNvPr id="100" name="Google Shape;100;p19"/>
+          <p:cNvPr id="101" name="Google Shape;101;p19"/>
           <p:cNvSpPr txBox="1"/>
           <p:nvPr>
             <p:ph type="title"/>
@@ -8012,7 +8673,7 @@
             </a:pPr>
             <a:r>
               <a:rPr lang="it"/>
-              <a:t>Animazioni - Coreografie 	</a:t>
+              <a:t>Perché due algoritmi di ricerca non informata?</a:t>
             </a:r>
             <a:endParaRPr/>
           </a:p>
@@ -8020,7 +8681,7 @@
       </p:sp>
       <p:sp>
         <p:nvSpPr>
-          <p:cNvPr id="101" name="Google Shape;101;p19"/>
+          <p:cNvPr id="102" name="Google Shape;102;p19"/>
           <p:cNvSpPr txBox="1"/>
           <p:nvPr>
             <p:ph idx="1" type="body"/>
@@ -8028,21 +8689,12 @@
         </p:nvSpPr>
         <p:spPr>
           <a:xfrm>
-            <a:off x="311700" y="1152475"/>
-            <a:ext cx="8520600" cy="3416400"/>
+            <a:off x="311700" y="1537425"/>
+            <a:ext cx="8520600" cy="3031500"/>
           </a:xfrm>
           <a:prstGeom prst="rect">
             <a:avLst/>
           </a:prstGeom>
-          <a:ln cap="flat" cmpd="sng" w="28575">
-            <a:solidFill>
-              <a:schemeClr val="dk1"/>
-            </a:solidFill>
-            <a:prstDash val="solid"/>
-            <a:round/>
-            <a:headEnd len="sm" w="sm" type="none"/>
-            <a:tailEnd len="sm" w="sm" type="none"/>
-          </a:ln>
         </p:spPr>
         <p:txBody>
           <a:bodyPr anchorCtr="0" anchor="t" bIns="91425" lIns="91425" spcFirstLastPara="1" rIns="91425" wrap="square" tIns="91425">
@@ -8050,9 +8702,26 @@
           </a:bodyPr>
           <a:lstStyle/>
           <a:p>
-            <a:pPr indent="0" lvl="0" marL="457200" rtl="0" algn="l">
-              <a:spcBef>
-                <a:spcPts val="0"/>
+            <a:pPr indent="-342900" lvl="0" marL="457200" rtl="0" algn="l">
+              <a:spcBef>
+                <a:spcPts val="0"/>
+              </a:spcBef>
+              <a:spcAft>
+                <a:spcPts val="0"/>
+              </a:spcAft>
+              <a:buSzPts val="1800"/>
+              <a:buChar char="●"/>
+            </a:pPr>
+            <a:r>
+              <a:rPr lang="it"/>
+              <a:t>Problemi di compatibilità tra Python2.7.18 e Aima Python Library</a:t>
+            </a:r>
+            <a:endParaRPr/>
+          </a:p>
+          <a:p>
+            <a:pPr indent="0" lvl="0" marL="0" rtl="0" algn="l">
+              <a:spcBef>
+                <a:spcPts val="1200"/>
               </a:spcBef>
               <a:spcAft>
                 <a:spcPts val="0"/>
@@ -8077,124 +8746,12 @@
             </a:pPr>
             <a:r>
               <a:rPr lang="it"/>
-              <a:t>PointStart</a:t>
+              <a:t>Possibilità di comparare un algoritmo semplice da implementare come BFA con uno più articolato come STRIPS Planner</a:t>
             </a:r>
             <a:endParaRPr/>
           </a:p>
-          <a:p>
-            <a:pPr indent="-342900" lvl="0" marL="457200" rtl="0" algn="l">
-              <a:spcBef>
-                <a:spcPts val="0"/>
-              </a:spcBef>
-              <a:spcAft>
-                <a:spcPts val="0"/>
-              </a:spcAft>
-              <a:buSzPts val="1800"/>
-              <a:buChar char="●"/>
-            </a:pPr>
-            <a:r>
-              <a:rPr lang="it"/>
-              <a:t>PointMiddle</a:t>
-            </a:r>
-            <a:endParaRPr/>
-          </a:p>
-          <a:p>
-            <a:pPr indent="-342900" lvl="0" marL="457200" rtl="0" algn="l">
-              <a:spcBef>
-                <a:spcPts val="0"/>
-              </a:spcBef>
-              <a:spcAft>
-                <a:spcPts val="0"/>
-              </a:spcAft>
-              <a:buSzPts val="1800"/>
-              <a:buChar char="●"/>
-            </a:pPr>
-            <a:r>
-              <a:rPr lang="it"/>
-              <a:t>PointGoal</a:t>
-            </a:r>
-            <a:endParaRPr/>
-          </a:p>
-          <a:p>
-            <a:pPr indent="-342900" lvl="0" marL="457200" rtl="0" algn="l">
-              <a:spcBef>
-                <a:spcPts val="0"/>
-              </a:spcBef>
-              <a:spcAft>
-                <a:spcPts val="0"/>
-              </a:spcAft>
-              <a:buSzPts val="1800"/>
-              <a:buChar char="●"/>
-            </a:pPr>
-            <a:r>
-              <a:rPr lang="it"/>
-              <a:t>Thinking</a:t>
-            </a:r>
-            <a:endParaRPr/>
-          </a:p>
-          <a:p>
-            <a:pPr indent="-342900" lvl="0" marL="457200" rtl="0" algn="l">
-              <a:spcBef>
-                <a:spcPts val="0"/>
-              </a:spcBef>
-              <a:spcAft>
-                <a:spcPts val="0"/>
-              </a:spcAft>
-              <a:buSzPts val="1800"/>
-              <a:buChar char="●"/>
-            </a:pPr>
-            <a:r>
-              <a:rPr i="1" lang="it"/>
-              <a:t>Nodd</a:t>
-            </a:r>
-            <a:endParaRPr i="1"/>
-          </a:p>
-          <a:p>
-            <a:pPr indent="-342900" lvl="0" marL="457200" rtl="0" algn="l">
-              <a:spcBef>
-                <a:spcPts val="0"/>
-              </a:spcBef>
-              <a:spcAft>
-                <a:spcPts val="0"/>
-              </a:spcAft>
-              <a:buSzPts val="1800"/>
-              <a:buChar char="●"/>
-            </a:pPr>
-            <a:r>
-              <a:rPr i="1" lang="it"/>
-              <a:t>Wave</a:t>
-            </a:r>
-            <a:endParaRPr i="1"/>
-          </a:p>
         </p:txBody>
       </p:sp>
-      <p:pic>
-        <p:nvPicPr>
-          <p:cNvPr id="102" name="Google Shape;102;p19"/>
-          <p:cNvPicPr preferRelativeResize="0"/>
-          <p:nvPr/>
-        </p:nvPicPr>
-        <p:blipFill rotWithShape="1">
-          <a:blip r:embed="rId3">
-            <a:alphaModFix/>
-          </a:blip>
-          <a:srcRect b="8827" l="0" r="0" t="8827"/>
-          <a:stretch/>
-        </p:blipFill>
-        <p:spPr>
-          <a:xfrm>
-            <a:off x="5215300" y="703225"/>
-            <a:ext cx="3565800" cy="4235349"/>
-          </a:xfrm>
-          <a:prstGeom prst="rect">
-            <a:avLst/>
-          </a:prstGeom>
-          <a:noFill/>
-          <a:ln>
-            <a:noFill/>
-          </a:ln>
-        </p:spPr>
-      </p:pic>
     </p:spTree>
   </p:cSld>
   <p:clrMapOvr>
@@ -8254,6 +8811,248 @@
             </a:pPr>
             <a:r>
               <a:rPr lang="it"/>
+              <a:t>Animazioni - Coreografie 	</a:t>
+            </a:r>
+            <a:endParaRPr/>
+          </a:p>
+        </p:txBody>
+      </p:sp>
+      <p:sp>
+        <p:nvSpPr>
+          <p:cNvPr id="108" name="Google Shape;108;p20"/>
+          <p:cNvSpPr txBox="1"/>
+          <p:nvPr>
+            <p:ph idx="1" type="body"/>
+          </p:nvPr>
+        </p:nvSpPr>
+        <p:spPr>
+          <a:xfrm>
+            <a:off x="311700" y="1152475"/>
+            <a:ext cx="8520600" cy="3416400"/>
+          </a:xfrm>
+          <a:prstGeom prst="rect">
+            <a:avLst/>
+          </a:prstGeom>
+          <a:ln cap="flat" cmpd="sng" w="28575">
+            <a:solidFill>
+              <a:schemeClr val="dk1"/>
+            </a:solidFill>
+            <a:prstDash val="solid"/>
+            <a:round/>
+            <a:headEnd len="sm" w="sm" type="none"/>
+            <a:tailEnd len="sm" w="sm" type="none"/>
+          </a:ln>
+        </p:spPr>
+        <p:txBody>
+          <a:bodyPr anchorCtr="0" anchor="t" bIns="91425" lIns="91425" spcFirstLastPara="1" rIns="91425" wrap="square" tIns="91425">
+            <a:normAutofit/>
+          </a:bodyPr>
+          <a:lstStyle/>
+          <a:p>
+            <a:pPr indent="0" lvl="0" marL="457200" rtl="0" algn="l">
+              <a:spcBef>
+                <a:spcPts val="0"/>
+              </a:spcBef>
+              <a:spcAft>
+                <a:spcPts val="0"/>
+              </a:spcAft>
+              <a:buNone/>
+            </a:pPr>
+            <a:r>
+              <a:t/>
+            </a:r>
+            <a:endParaRPr/>
+          </a:p>
+          <a:p>
+            <a:pPr indent="-342900" lvl="0" marL="457200" rtl="0" algn="l">
+              <a:spcBef>
+                <a:spcPts val="1200"/>
+              </a:spcBef>
+              <a:spcAft>
+                <a:spcPts val="0"/>
+              </a:spcAft>
+              <a:buSzPts val="1800"/>
+              <a:buChar char="●"/>
+            </a:pPr>
+            <a:r>
+              <a:rPr lang="it"/>
+              <a:t>PointStart</a:t>
+            </a:r>
+            <a:endParaRPr/>
+          </a:p>
+          <a:p>
+            <a:pPr indent="-342900" lvl="0" marL="457200" rtl="0" algn="l">
+              <a:spcBef>
+                <a:spcPts val="0"/>
+              </a:spcBef>
+              <a:spcAft>
+                <a:spcPts val="0"/>
+              </a:spcAft>
+              <a:buSzPts val="1800"/>
+              <a:buChar char="●"/>
+            </a:pPr>
+            <a:r>
+              <a:rPr lang="it"/>
+              <a:t>PointMiddle</a:t>
+            </a:r>
+            <a:endParaRPr/>
+          </a:p>
+          <a:p>
+            <a:pPr indent="-342900" lvl="0" marL="457200" rtl="0" algn="l">
+              <a:spcBef>
+                <a:spcPts val="0"/>
+              </a:spcBef>
+              <a:spcAft>
+                <a:spcPts val="0"/>
+              </a:spcAft>
+              <a:buSzPts val="1800"/>
+              <a:buChar char="●"/>
+            </a:pPr>
+            <a:r>
+              <a:rPr lang="it"/>
+              <a:t>PointGoal</a:t>
+            </a:r>
+            <a:endParaRPr/>
+          </a:p>
+          <a:p>
+            <a:pPr indent="-342900" lvl="0" marL="457200" rtl="0" algn="l">
+              <a:spcBef>
+                <a:spcPts val="0"/>
+              </a:spcBef>
+              <a:spcAft>
+                <a:spcPts val="0"/>
+              </a:spcAft>
+              <a:buSzPts val="1800"/>
+              <a:buChar char="●"/>
+            </a:pPr>
+            <a:r>
+              <a:rPr lang="it"/>
+              <a:t>Thinking</a:t>
+            </a:r>
+            <a:endParaRPr/>
+          </a:p>
+          <a:p>
+            <a:pPr indent="-342900" lvl="0" marL="457200" rtl="0" algn="l">
+              <a:spcBef>
+                <a:spcPts val="0"/>
+              </a:spcBef>
+              <a:spcAft>
+                <a:spcPts val="0"/>
+              </a:spcAft>
+              <a:buSzPts val="1800"/>
+              <a:buChar char="●"/>
+            </a:pPr>
+            <a:r>
+              <a:rPr lang="it"/>
+              <a:t>Nodd</a:t>
+            </a:r>
+            <a:endParaRPr/>
+          </a:p>
+          <a:p>
+            <a:pPr indent="-342900" lvl="0" marL="457200" rtl="0" algn="l">
+              <a:spcBef>
+                <a:spcPts val="0"/>
+              </a:spcBef>
+              <a:spcAft>
+                <a:spcPts val="0"/>
+              </a:spcAft>
+              <a:buSzPts val="1800"/>
+              <a:buChar char="●"/>
+            </a:pPr>
+            <a:r>
+              <a:rPr lang="it"/>
+              <a:t>Wave</a:t>
+            </a:r>
+            <a:endParaRPr/>
+          </a:p>
+        </p:txBody>
+      </p:sp>
+      <p:pic>
+        <p:nvPicPr>
+          <p:cNvPr id="109" name="Google Shape;109;p20"/>
+          <p:cNvPicPr preferRelativeResize="0"/>
+          <p:nvPr/>
+        </p:nvPicPr>
+        <p:blipFill rotWithShape="1">
+          <a:blip r:embed="rId3">
+            <a:alphaModFix/>
+          </a:blip>
+          <a:srcRect b="8827" l="0" r="0" t="8827"/>
+          <a:stretch/>
+        </p:blipFill>
+        <p:spPr>
+          <a:xfrm>
+            <a:off x="5215300" y="703225"/>
+            <a:ext cx="3565800" cy="4235349"/>
+          </a:xfrm>
+          <a:prstGeom prst="rect">
+            <a:avLst/>
+          </a:prstGeom>
+          <a:noFill/>
+          <a:ln>
+            <a:noFill/>
+          </a:ln>
+        </p:spPr>
+      </p:pic>
+    </p:spTree>
+  </p:cSld>
+  <p:clrMapOvr>
+    <a:masterClrMapping/>
+  </p:clrMapOvr>
+</p:sld>
+</file>
+
+<file path=ppt/slides/slide9.xml><?xml version="1.0" encoding="utf-8"?>
+<p:sld xmlns:a="http://schemas.openxmlformats.org/drawingml/2006/main" xmlns:r="http://schemas.openxmlformats.org/officeDocument/2006/relationships" xmlns:mc="http://schemas.openxmlformats.org/markup-compatibility/2006" xmlns:mv="urn:schemas-microsoft-com:mac:vml" xmlns:p="http://schemas.openxmlformats.org/presentationml/2006/main" xmlns:c="http://schemas.openxmlformats.org/drawingml/2006/chart" xmlns:dgm="http://schemas.openxmlformats.org/drawingml/2006/diagram" xmlns:o="urn:schemas-microsoft-com:office:office" xmlns:v="urn:schemas-microsoft-com:vml" xmlns:pvml="urn:schemas-microsoft-com:office:powerpoint" xmlns:com="http://schemas.openxmlformats.org/drawingml/2006/compatibility" xmlns:p14="http://schemas.microsoft.com/office/powerpoint/2010/main" xmlns:p15="http://schemas.microsoft.com/office/powerpoint/2012/main" xmlns:ahyp="http://schemas.microsoft.com/office/drawing/2018/hyperlinkcolor">
+  <p:cSld>
+    <p:spTree>
+      <p:nvGrpSpPr>
+        <p:cNvPr id="113" name="Shape 113"/>
+        <p:cNvGrpSpPr/>
+        <p:nvPr/>
+      </p:nvGrpSpPr>
+      <p:grpSpPr>
+        <a:xfrm>
+          <a:off x="0" y="0"/>
+          <a:ext cx="0" cy="0"/>
+          <a:chOff x="0" y="0"/>
+          <a:chExt cx="0" cy="0"/>
+        </a:xfrm>
+      </p:grpSpPr>
+      <p:sp>
+        <p:nvSpPr>
+          <p:cNvPr id="114" name="Google Shape;114;p21"/>
+          <p:cNvSpPr txBox="1"/>
+          <p:nvPr>
+            <p:ph type="title"/>
+          </p:nvPr>
+        </p:nvSpPr>
+        <p:spPr>
+          <a:xfrm>
+            <a:off x="311700" y="445025"/>
+            <a:ext cx="8520600" cy="572700"/>
+          </a:xfrm>
+          <a:prstGeom prst="rect">
+            <a:avLst/>
+          </a:prstGeom>
+        </p:spPr>
+        <p:txBody>
+          <a:bodyPr anchorCtr="0" anchor="t" bIns="91425" lIns="91425" spcFirstLastPara="1" rIns="91425" wrap="square" tIns="91425">
+            <a:normAutofit fontScale="90000"/>
+          </a:bodyPr>
+          <a:lstStyle/>
+          <a:p>
+            <a:pPr indent="0" lvl="0" marL="0" rtl="0" algn="l">
+              <a:spcBef>
+                <a:spcPts val="0"/>
+              </a:spcBef>
+              <a:spcAft>
+                <a:spcPts val="0"/>
+              </a:spcAft>
+              <a:buNone/>
+            </a:pPr>
+            <a:r>
+              <a:rPr lang="it"/>
               <a:t>Comparazione Risultati (Su 10 Test)</a:t>
             </a:r>
             <a:endParaRPr/>
@@ -8262,7 +9061,7 @@
       </p:sp>
       <p:graphicFrame>
         <p:nvGraphicFramePr>
-          <p:cNvPr id="108" name="Google Shape;108;p20"/>
+          <p:cNvPr id="115" name="Google Shape;115;p21"/>
           <p:cNvGraphicFramePr/>
           <p:nvPr/>
         </p:nvGraphicFramePr>
@@ -8275,7 +9074,7 @@
             <a:tbl>
               <a:tblPr>
                 <a:noFill/>
-                <a:tableStyleId>{E99876D9-CDEE-4E6D-893E-795E070DD4AD}</a:tableStyleId>
+                <a:tableStyleId>{0AADB28F-4D07-440A-92B1-A1075F08CC9F}</a:tableStyleId>
               </a:tblPr>
               <a:tblGrid>
                 <a:gridCol w="1704125"/>
@@ -10164,103 +10963,6 @@
           </a:graphicData>
         </a:graphic>
       </p:graphicFrame>
-    </p:spTree>
-  </p:cSld>
-  <p:clrMapOvr>
-    <a:masterClrMapping/>
-  </p:clrMapOvr>
-</p:sld>
-</file>
-
-<file path=ppt/slides/slide9.xml><?xml version="1.0" encoding="utf-8"?>
-<p:sld xmlns:a="http://schemas.openxmlformats.org/drawingml/2006/main" xmlns:r="http://schemas.openxmlformats.org/officeDocument/2006/relationships" xmlns:mc="http://schemas.openxmlformats.org/markup-compatibility/2006" xmlns:mv="urn:schemas-microsoft-com:mac:vml" xmlns:p="http://schemas.openxmlformats.org/presentationml/2006/main" xmlns:c="http://schemas.openxmlformats.org/drawingml/2006/chart" xmlns:dgm="http://schemas.openxmlformats.org/drawingml/2006/diagram" xmlns:o="urn:schemas-microsoft-com:office:office" xmlns:v="urn:schemas-microsoft-com:vml" xmlns:pvml="urn:schemas-microsoft-com:office:powerpoint" xmlns:com="http://schemas.openxmlformats.org/drawingml/2006/compatibility" xmlns:p14="http://schemas.microsoft.com/office/powerpoint/2010/main" xmlns:p15="http://schemas.microsoft.com/office/powerpoint/2012/main" xmlns:ahyp="http://schemas.microsoft.com/office/drawing/2018/hyperlinkcolor">
-  <p:cSld>
-    <p:spTree>
-      <p:nvGrpSpPr>
-        <p:cNvPr id="112" name="Shape 112"/>
-        <p:cNvGrpSpPr/>
-        <p:nvPr/>
-      </p:nvGrpSpPr>
-      <p:grpSpPr>
-        <a:xfrm>
-          <a:off x="0" y="0"/>
-          <a:ext cx="0" cy="0"/>
-          <a:chOff x="0" y="0"/>
-          <a:chExt cx="0" cy="0"/>
-        </a:xfrm>
-      </p:grpSpPr>
-      <p:pic>
-        <p:nvPicPr>
-          <p:cNvPr id="113" name="Google Shape;113;p21" title="Points scored"/>
-          <p:cNvPicPr preferRelativeResize="0"/>
-          <p:nvPr/>
-        </p:nvPicPr>
-        <p:blipFill>
-          <a:blip r:embed="rId3">
-            <a:alphaModFix/>
-          </a:blip>
-          <a:stretch>
-            <a:fillRect/>
-          </a:stretch>
-        </p:blipFill>
-        <p:spPr>
-          <a:xfrm>
-            <a:off x="624575" y="850700"/>
-            <a:ext cx="7060524" cy="4365750"/>
-          </a:xfrm>
-          <a:prstGeom prst="rect">
-            <a:avLst/>
-          </a:prstGeom>
-          <a:noFill/>
-          <a:ln>
-            <a:noFill/>
-          </a:ln>
-        </p:spPr>
-      </p:pic>
-      <p:sp>
-        <p:nvSpPr>
-          <p:cNvPr id="114" name="Google Shape;114;p21"/>
-          <p:cNvSpPr txBox="1"/>
-          <p:nvPr>
-            <p:ph type="title"/>
-          </p:nvPr>
-        </p:nvSpPr>
-        <p:spPr>
-          <a:xfrm>
-            <a:off x="311700" y="445025"/>
-            <a:ext cx="8520600" cy="572700"/>
-          </a:xfrm>
-          <a:prstGeom prst="rect">
-            <a:avLst/>
-          </a:prstGeom>
-        </p:spPr>
-        <p:txBody>
-          <a:bodyPr anchorCtr="0" anchor="t" bIns="91425" lIns="91425" spcFirstLastPara="1" rIns="91425" wrap="square" tIns="91425">
-            <a:normAutofit fontScale="90000"/>
-          </a:bodyPr>
-          <a:lstStyle/>
-          <a:p>
-            <a:pPr indent="0" lvl="0" marL="0" rtl="0" algn="l">
-              <a:spcBef>
-                <a:spcPts val="0"/>
-              </a:spcBef>
-              <a:spcAft>
-                <a:spcPts val="0"/>
-              </a:spcAft>
-              <a:buNone/>
-            </a:pPr>
-            <a:r>
-              <a:rPr lang="it"/>
-              <a:t>Comparazione </a:t>
-            </a:r>
-            <a:r>
-              <a:rPr lang="it"/>
-              <a:t>Risultati (Su 10 Test) - Tempo di risoluzione</a:t>
-            </a:r>
-            <a:endParaRPr/>
-          </a:p>
-        </p:txBody>
-      </p:sp>
     </p:spTree>
   </p:cSld>
   <p:clrMapOvr>

--- a/Documents/pptx/NaoPptx.pptx
+++ b/Documents/pptx/NaoPptx.pptx
@@ -803,7 +803,7 @@
   <p:cSld>
     <p:spTree>
       <p:nvGrpSpPr>
-        <p:cNvPr id="116" name="Shape 116"/>
+        <p:cNvPr id="117" name="Shape 117"/>
         <p:cNvGrpSpPr/>
         <p:nvPr/>
       </p:nvGrpSpPr>
@@ -817,7 +817,7 @@
       </p:grpSpPr>
       <p:sp>
         <p:nvSpPr>
-          <p:cNvPr id="117" name="Google Shape;117;gf83a27dc8d_0_0:notes"/>
+          <p:cNvPr id="118" name="Google Shape;118;gf83a27dc8d_0_0:notes"/>
           <p:cNvSpPr/>
           <p:nvPr>
             <p:ph idx="2" type="sldImg"/>
@@ -852,7 +852,7 @@
       </p:sp>
       <p:sp>
         <p:nvSpPr>
-          <p:cNvPr id="118" name="Google Shape;118;gf83a27dc8d_0_0:notes"/>
+          <p:cNvPr id="119" name="Google Shape;119;gf83a27dc8d_0_0:notes"/>
           <p:cNvSpPr txBox="1"/>
           <p:nvPr>
             <p:ph idx="1" type="body"/>
@@ -903,7 +903,7 @@
   <p:cSld>
     <p:spTree>
       <p:nvGrpSpPr>
-        <p:cNvPr id="122" name="Shape 122"/>
+        <p:cNvPr id="123" name="Shape 123"/>
         <p:cNvGrpSpPr/>
         <p:nvPr/>
       </p:nvGrpSpPr>
@@ -917,7 +917,7 @@
       </p:grpSpPr>
       <p:sp>
         <p:nvSpPr>
-          <p:cNvPr id="123" name="Google Shape;123;gfcdef6d654_2_18:notes"/>
+          <p:cNvPr id="124" name="Google Shape;124;gfcdef6d654_2_18:notes"/>
           <p:cNvSpPr/>
           <p:nvPr>
             <p:ph idx="2" type="sldImg"/>
@@ -952,7 +952,7 @@
       </p:sp>
       <p:sp>
         <p:nvSpPr>
-          <p:cNvPr id="124" name="Google Shape;124;gfcdef6d654_2_18:notes"/>
+          <p:cNvPr id="125" name="Google Shape;125;gfcdef6d654_2_18:notes"/>
           <p:cNvSpPr txBox="1"/>
           <p:nvPr>
             <p:ph idx="1" type="body"/>
@@ -1002,7 +1002,7 @@
   <p:cSld>
     <p:spTree>
       <p:nvGrpSpPr>
-        <p:cNvPr id="129" name="Shape 129"/>
+        <p:cNvPr id="130" name="Shape 130"/>
         <p:cNvGrpSpPr/>
         <p:nvPr/>
       </p:nvGrpSpPr>
@@ -1016,7 +1016,7 @@
       </p:grpSpPr>
       <p:sp>
         <p:nvSpPr>
-          <p:cNvPr id="130" name="Google Shape;130;gfd5c49572e_0_1:notes"/>
+          <p:cNvPr id="131" name="Google Shape;131;gfd5c49572e_0_1:notes"/>
           <p:cNvSpPr/>
           <p:nvPr>
             <p:ph idx="2" type="sldImg"/>
@@ -1051,7 +1051,7 @@
       </p:sp>
       <p:sp>
         <p:nvSpPr>
-          <p:cNvPr id="131" name="Google Shape;131;gfd5c49572e_0_1:notes"/>
+          <p:cNvPr id="132" name="Google Shape;132;gfd5c49572e_0_1:notes"/>
           <p:cNvSpPr txBox="1"/>
           <p:nvPr>
             <p:ph idx="1" type="body"/>
@@ -1102,7 +1102,7 @@
   <p:cSld>
     <p:spTree>
       <p:nvGrpSpPr>
-        <p:cNvPr id="136" name="Shape 136"/>
+        <p:cNvPr id="137" name="Shape 137"/>
         <p:cNvGrpSpPr/>
         <p:nvPr/>
       </p:nvGrpSpPr>
@@ -1116,7 +1116,7 @@
       </p:grpSpPr>
       <p:sp>
         <p:nvSpPr>
-          <p:cNvPr id="137" name="Google Shape;137;gfcdef6d654_2_23:notes"/>
+          <p:cNvPr id="138" name="Google Shape;138;gfcdef6d654_2_23:notes"/>
           <p:cNvSpPr/>
           <p:nvPr>
             <p:ph idx="2" type="sldImg"/>
@@ -1151,7 +1151,7 @@
       </p:sp>
       <p:sp>
         <p:nvSpPr>
-          <p:cNvPr id="138" name="Google Shape;138;gfcdef6d654_2_23:notes"/>
+          <p:cNvPr id="139" name="Google Shape;139;gfcdef6d654_2_23:notes"/>
           <p:cNvSpPr txBox="1"/>
           <p:nvPr>
             <p:ph idx="1" type="body"/>
@@ -1746,7 +1746,7 @@
       </p:grpSpPr>
       <p:sp>
         <p:nvSpPr>
-          <p:cNvPr id="98" name="Google Shape;98;gfd3adfb0f0_0_0:notes"/>
+          <p:cNvPr id="98" name="Google Shape;98;gfd5c49572e_0_9:notes"/>
           <p:cNvSpPr/>
           <p:nvPr>
             <p:ph idx="2" type="sldImg"/>
@@ -1781,7 +1781,7 @@
       </p:sp>
       <p:sp>
         <p:nvSpPr>
-          <p:cNvPr id="99" name="Google Shape;99;gfd3adfb0f0_0_0:notes"/>
+          <p:cNvPr id="99" name="Google Shape;99;gfd5c49572e_0_9:notes"/>
           <p:cNvSpPr txBox="1"/>
           <p:nvPr>
             <p:ph idx="1" type="body"/>
@@ -1812,7 +1812,8 @@
               <a:buNone/>
             </a:pPr>
             <a:r>
-              <a:t/>
+              <a:rPr lang="it"/>
+              <a:t>Descrivere lo STRIPS planning algorithm e come lo abbiamo implementato rendendolo NAO e user friendly</a:t>
             </a:r>
             <a:endParaRPr/>
           </a:p>
@@ -1831,7 +1832,7 @@
   <p:cSld>
     <p:spTree>
       <p:nvGrpSpPr>
-        <p:cNvPr id="103" name="Shape 103"/>
+        <p:cNvPr id="104" name="Shape 104"/>
         <p:cNvGrpSpPr/>
         <p:nvPr/>
       </p:nvGrpSpPr>
@@ -1845,7 +1846,7 @@
       </p:grpSpPr>
       <p:sp>
         <p:nvSpPr>
-          <p:cNvPr id="104" name="Google Shape;104;gfcdef6d654_0_5:notes"/>
+          <p:cNvPr id="105" name="Google Shape;105;gfcdef6d654_0_5:notes"/>
           <p:cNvSpPr/>
           <p:nvPr>
             <p:ph idx="2" type="sldImg"/>
@@ -1880,7 +1881,7 @@
       </p:sp>
       <p:sp>
         <p:nvSpPr>
-          <p:cNvPr id="105" name="Google Shape;105;gfcdef6d654_0_5:notes"/>
+          <p:cNvPr id="106" name="Google Shape;106;gfcdef6d654_0_5:notes"/>
           <p:cNvSpPr txBox="1"/>
           <p:nvPr>
             <p:ph idx="1" type="body"/>
@@ -1931,7 +1932,7 @@
   <p:cSld>
     <p:spTree>
       <p:nvGrpSpPr>
-        <p:cNvPr id="110" name="Shape 110"/>
+        <p:cNvPr id="111" name="Shape 111"/>
         <p:cNvGrpSpPr/>
         <p:nvPr/>
       </p:nvGrpSpPr>
@@ -1945,7 +1946,7 @@
       </p:grpSpPr>
       <p:sp>
         <p:nvSpPr>
-          <p:cNvPr id="111" name="Google Shape;111;gfcdef6d654_0_22:notes"/>
+          <p:cNvPr id="112" name="Google Shape;112;gfcdef6d654_0_22:notes"/>
           <p:cNvSpPr/>
           <p:nvPr>
             <p:ph idx="2" type="sldImg"/>
@@ -1980,7 +1981,7 @@
       </p:sp>
       <p:sp>
         <p:nvSpPr>
-          <p:cNvPr id="112" name="Google Shape;112;gfcdef6d654_0_22:notes"/>
+          <p:cNvPr id="113" name="Google Shape;113;gfcdef6d654_0_22:notes"/>
           <p:cNvSpPr txBox="1"/>
           <p:nvPr>
             <p:ph idx="1" type="body"/>
@@ -6877,7 +6878,7 @@
   <p:cSld>
     <p:spTree>
       <p:nvGrpSpPr>
-        <p:cNvPr id="119" name="Shape 119"/>
+        <p:cNvPr id="120" name="Shape 120"/>
         <p:cNvGrpSpPr/>
         <p:nvPr/>
       </p:nvGrpSpPr>
@@ -6891,7 +6892,7 @@
       </p:grpSpPr>
       <p:pic>
         <p:nvPicPr>
-          <p:cNvPr id="120" name="Google Shape;120;p22" title="Points scored"/>
+          <p:cNvPr id="121" name="Google Shape;121;p22" title="Points scored"/>
           <p:cNvPicPr preferRelativeResize="0"/>
           <p:nvPr/>
         </p:nvPicPr>
@@ -6919,7 +6920,7 @@
       </p:pic>
       <p:sp>
         <p:nvSpPr>
-          <p:cNvPr id="121" name="Google Shape;121;p22"/>
+          <p:cNvPr id="122" name="Google Shape;122;p22"/>
           <p:cNvSpPr txBox="1"/>
           <p:nvPr>
             <p:ph type="title"/>
@@ -6974,7 +6975,7 @@
   <p:cSld>
     <p:spTree>
       <p:nvGrpSpPr>
-        <p:cNvPr id="125" name="Shape 125"/>
+        <p:cNvPr id="126" name="Shape 126"/>
         <p:cNvGrpSpPr/>
         <p:nvPr/>
       </p:nvGrpSpPr>
@@ -6988,7 +6989,7 @@
       </p:grpSpPr>
       <p:pic>
         <p:nvPicPr>
-          <p:cNvPr id="126" name="Google Shape;126;p23"/>
+          <p:cNvPr id="127" name="Google Shape;127;p23"/>
           <p:cNvPicPr preferRelativeResize="0"/>
           <p:nvPr/>
         </p:nvPicPr>
@@ -7016,7 +7017,7 @@
       </p:pic>
       <p:sp>
         <p:nvSpPr>
-          <p:cNvPr id="127" name="Google Shape;127;p23"/>
+          <p:cNvPr id="128" name="Google Shape;128;p23"/>
           <p:cNvSpPr txBox="1"/>
           <p:nvPr>
             <p:ph type="title"/>
@@ -7071,7 +7072,7 @@
       </p:sp>
       <p:pic>
         <p:nvPicPr>
-          <p:cNvPr id="128" name="Google Shape;128;p23"/>
+          <p:cNvPr id="129" name="Google Shape;129;p23"/>
           <p:cNvPicPr preferRelativeResize="0"/>
           <p:nvPr/>
         </p:nvPicPr>
@@ -7110,7 +7111,7 @@
   <p:cSld>
     <p:spTree>
       <p:nvGrpSpPr>
-        <p:cNvPr id="132" name="Shape 132"/>
+        <p:cNvPr id="133" name="Shape 133"/>
         <p:cNvGrpSpPr/>
         <p:nvPr/>
       </p:nvGrpSpPr>
@@ -7124,7 +7125,7 @@
       </p:grpSpPr>
       <p:sp>
         <p:nvSpPr>
-          <p:cNvPr id="133" name="Google Shape;133;p24"/>
+          <p:cNvPr id="134" name="Google Shape;134;p24"/>
           <p:cNvSpPr txBox="1"/>
           <p:nvPr>
             <p:ph type="title"/>
@@ -7164,7 +7165,7 @@
       </p:sp>
       <p:sp>
         <p:nvSpPr>
-          <p:cNvPr id="134" name="Google Shape;134;p24"/>
+          <p:cNvPr id="135" name="Google Shape;135;p24"/>
           <p:cNvSpPr txBox="1"/>
           <p:nvPr>
             <p:ph idx="1" type="body"/>
@@ -7311,7 +7312,7 @@
       </p:sp>
       <p:pic>
         <p:nvPicPr>
-          <p:cNvPr id="135" name="Google Shape;135;p24"/>
+          <p:cNvPr id="136" name="Google Shape;136;p24"/>
           <p:cNvPicPr preferRelativeResize="0"/>
           <p:nvPr/>
         </p:nvPicPr>
@@ -7349,7 +7350,7 @@
   <p:cSld>
     <p:spTree>
       <p:nvGrpSpPr>
-        <p:cNvPr id="139" name="Shape 139"/>
+        <p:cNvPr id="140" name="Shape 140"/>
         <p:cNvGrpSpPr/>
         <p:nvPr/>
       </p:nvGrpSpPr>
@@ -7363,7 +7364,7 @@
       </p:grpSpPr>
       <p:sp>
         <p:nvSpPr>
-          <p:cNvPr id="140" name="Google Shape;140;p25"/>
+          <p:cNvPr id="141" name="Google Shape;141;p25"/>
           <p:cNvSpPr txBox="1"/>
           <p:nvPr>
             <p:ph type="title"/>
@@ -7403,7 +7404,7 @@
       </p:sp>
       <p:pic>
         <p:nvPicPr>
-          <p:cNvPr id="141" name="Google Shape;141;p25"/>
+          <p:cNvPr id="142" name="Google Shape;142;p25"/>
           <p:cNvPicPr preferRelativeResize="0"/>
           <p:nvPr/>
         </p:nvPicPr>
@@ -7431,7 +7432,7 @@
       </p:pic>
       <p:sp>
         <p:nvSpPr>
-          <p:cNvPr id="142" name="Google Shape;142;p25"/>
+          <p:cNvPr id="143" name="Google Shape;143;p25"/>
           <p:cNvSpPr txBox="1"/>
           <p:nvPr/>
         </p:nvSpPr>
@@ -7472,7 +7473,7 @@
       </p:sp>
       <p:sp>
         <p:nvSpPr>
-          <p:cNvPr id="143" name="Google Shape;143;p25"/>
+          <p:cNvPr id="144" name="Google Shape;144;p25"/>
           <p:cNvSpPr txBox="1"/>
           <p:nvPr/>
         </p:nvSpPr>
@@ -7546,7 +7547,7 @@
       </p:sp>
       <p:sp>
         <p:nvSpPr>
-          <p:cNvPr id="144" name="Google Shape;144;p25"/>
+          <p:cNvPr id="145" name="Google Shape;145;p25"/>
           <p:cNvSpPr txBox="1"/>
           <p:nvPr/>
         </p:nvSpPr>
@@ -8669,11 +8670,31 @@
               <a:spcAft>
                 <a:spcPts val="0"/>
               </a:spcAft>
+              <a:buClr>
+                <a:schemeClr val="dk1"/>
+              </a:buClr>
+              <a:buSzPct val="39285"/>
+              <a:buFont typeface="Arial"/>
               <a:buNone/>
             </a:pPr>
             <a:r>
               <a:rPr lang="it"/>
               <a:t>Perché due algoritmi di ricerca non informata?</a:t>
+            </a:r>
+            <a:endParaRPr/>
+          </a:p>
+          <a:p>
+            <a:pPr indent="0" lvl="0" marL="0" rtl="0" algn="l">
+              <a:spcBef>
+                <a:spcPts val="0"/>
+              </a:spcBef>
+              <a:spcAft>
+                <a:spcPts val="0"/>
+              </a:spcAft>
+              <a:buNone/>
+            </a:pPr>
+            <a:r>
+              <a:t/>
             </a:r>
             <a:endParaRPr/>
           </a:p>
@@ -8689,12 +8710,21 @@
         </p:nvSpPr>
         <p:spPr>
           <a:xfrm>
-            <a:off x="311700" y="1537425"/>
-            <a:ext cx="8520600" cy="3031500"/>
+            <a:off x="311700" y="1152475"/>
+            <a:ext cx="8520600" cy="3416400"/>
           </a:xfrm>
           <a:prstGeom prst="rect">
             <a:avLst/>
           </a:prstGeom>
+          <a:ln cap="flat" cmpd="sng" w="28575">
+            <a:solidFill>
+              <a:srgbClr val="000000"/>
+            </a:solidFill>
+            <a:prstDash val="solid"/>
+            <a:round/>
+            <a:headEnd len="sm" w="sm" type="none"/>
+            <a:tailEnd len="sm" w="sm" type="none"/>
+          </a:ln>
         </p:spPr>
         <p:txBody>
           <a:bodyPr anchorCtr="0" anchor="t" bIns="91425" lIns="91425" spcFirstLastPara="1" rIns="91425" wrap="square" tIns="91425">
@@ -8702,26 +8732,9 @@
           </a:bodyPr>
           <a:lstStyle/>
           <a:p>
-            <a:pPr indent="-342900" lvl="0" marL="457200" rtl="0" algn="l">
-              <a:spcBef>
-                <a:spcPts val="0"/>
-              </a:spcBef>
-              <a:spcAft>
-                <a:spcPts val="0"/>
-              </a:spcAft>
-              <a:buSzPts val="1800"/>
-              <a:buChar char="●"/>
-            </a:pPr>
-            <a:r>
-              <a:rPr lang="it"/>
-              <a:t>Problemi di compatibilità tra Python2.7.18 e Aima Python Library</a:t>
-            </a:r>
-            <a:endParaRPr/>
-          </a:p>
-          <a:p>
-            <a:pPr indent="0" lvl="0" marL="0" rtl="0" algn="l">
-              <a:spcBef>
-                <a:spcPts val="1200"/>
+            <a:pPr indent="0" lvl="0" marL="457200" rtl="0" algn="l">
+              <a:spcBef>
+                <a:spcPts val="0"/>
               </a:spcBef>
               <a:spcAft>
                 <a:spcPts val="0"/>
@@ -8736,7 +8749,7 @@
           <a:p>
             <a:pPr indent="-342900" lvl="0" marL="457200" rtl="0" algn="l">
               <a:spcBef>
-                <a:spcPts val="1200"/>
+                <a:spcPts val="0"/>
               </a:spcBef>
               <a:spcAft>
                 <a:spcPts val="0"/>
@@ -8746,12 +8759,124 @@
             </a:pPr>
             <a:r>
               <a:rPr lang="it"/>
-              <a:t>Possibilità di comparare un algoritmo semplice da implementare come BFA con uno più articolato come STRIPS Planner</a:t>
+              <a:t>Problemi di compatibilità tra Python2.7.18 e </a:t>
+            </a:r>
+            <a:endParaRPr/>
+          </a:p>
+          <a:p>
+            <a:pPr indent="0" lvl="0" marL="457200" rtl="0" algn="l">
+              <a:spcBef>
+                <a:spcPts val="0"/>
+              </a:spcBef>
+              <a:spcAft>
+                <a:spcPts val="0"/>
+              </a:spcAft>
+              <a:buNone/>
+            </a:pPr>
+            <a:r>
+              <a:rPr lang="it"/>
+              <a:t>Aima Python Library</a:t>
+            </a:r>
+            <a:endParaRPr/>
+          </a:p>
+          <a:p>
+            <a:pPr indent="0" lvl="0" marL="457200" rtl="0" algn="l">
+              <a:spcBef>
+                <a:spcPts val="0"/>
+              </a:spcBef>
+              <a:spcAft>
+                <a:spcPts val="0"/>
+              </a:spcAft>
+              <a:buNone/>
+            </a:pPr>
+            <a:r>
+              <a:t/>
+            </a:r>
+            <a:endParaRPr/>
+          </a:p>
+          <a:p>
+            <a:pPr indent="-342900" lvl="0" marL="457200" rtl="0" algn="l">
+              <a:spcBef>
+                <a:spcPts val="0"/>
+              </a:spcBef>
+              <a:spcAft>
+                <a:spcPts val="0"/>
+              </a:spcAft>
+              <a:buSzPts val="1800"/>
+              <a:buChar char="●"/>
+            </a:pPr>
+            <a:r>
+              <a:rPr lang="it"/>
+              <a:t>Possibilità di comparare un algoritmo semplice</a:t>
+            </a:r>
+            <a:endParaRPr/>
+          </a:p>
+          <a:p>
+            <a:pPr indent="0" lvl="0" marL="457200" rtl="0" algn="l">
+              <a:spcBef>
+                <a:spcPts val="0"/>
+              </a:spcBef>
+              <a:spcAft>
+                <a:spcPts val="0"/>
+              </a:spcAft>
+              <a:buNone/>
+            </a:pPr>
+            <a:r>
+              <a:rPr lang="it"/>
+              <a:t>da implementare come BFA con uno </a:t>
+            </a:r>
+            <a:endParaRPr/>
+          </a:p>
+          <a:p>
+            <a:pPr indent="0" lvl="0" marL="457200" rtl="0" algn="l">
+              <a:spcBef>
+                <a:spcPts val="0"/>
+              </a:spcBef>
+              <a:spcAft>
+                <a:spcPts val="0"/>
+              </a:spcAft>
+              <a:buNone/>
+            </a:pPr>
+            <a:r>
+              <a:rPr lang="it"/>
+              <a:t>più articolato come STRIPS Planner</a:t>
+            </a:r>
+            <a:r>
+              <a:rPr lang="it"/>
+              <a:t> </a:t>
             </a:r>
             <a:endParaRPr/>
           </a:p>
         </p:txBody>
       </p:sp>
+      <p:pic>
+        <p:nvPicPr>
+          <p:cNvPr id="103" name="Google Shape;103;p19"/>
+          <p:cNvPicPr preferRelativeResize="0"/>
+          <p:nvPr/>
+        </p:nvPicPr>
+        <p:blipFill>
+          <a:blip r:embed="rId3">
+            <a:alphaModFix/>
+          </a:blip>
+          <a:stretch>
+            <a:fillRect/>
+          </a:stretch>
+        </p:blipFill>
+        <p:spPr>
+          <a:xfrm>
+            <a:off x="4822263" y="190500"/>
+            <a:ext cx="4010025" cy="4762500"/>
+          </a:xfrm>
+          <a:prstGeom prst="rect">
+            <a:avLst/>
+          </a:prstGeom>
+          <a:noFill/>
+          <a:ln>
+            <a:noFill/>
+          </a:ln>
+        </p:spPr>
+      </p:pic>
     </p:spTree>
   </p:cSld>
   <p:clrMapOvr>
@@ -8765,7 +8890,7 @@
   <p:cSld>
     <p:spTree>
       <p:nvGrpSpPr>
-        <p:cNvPr id="106" name="Shape 106"/>
+        <p:cNvPr id="107" name="Shape 107"/>
         <p:cNvGrpSpPr/>
         <p:nvPr/>
       </p:nvGrpSpPr>
@@ -8779,7 +8904,7 @@
       </p:grpSpPr>
       <p:sp>
         <p:nvSpPr>
-          <p:cNvPr id="107" name="Google Shape;107;p20"/>
+          <p:cNvPr id="108" name="Google Shape;108;p20"/>
           <p:cNvSpPr txBox="1"/>
           <p:nvPr>
             <p:ph type="title"/>
@@ -8819,7 +8944,7 @@
       </p:sp>
       <p:sp>
         <p:nvSpPr>
-          <p:cNvPr id="108" name="Google Shape;108;p20"/>
+          <p:cNvPr id="109" name="Google Shape;109;p20"/>
           <p:cNvSpPr txBox="1"/>
           <p:nvPr>
             <p:ph idx="1" type="body"/>
@@ -8969,7 +9094,7 @@
       </p:sp>
       <p:pic>
         <p:nvPicPr>
-          <p:cNvPr id="109" name="Google Shape;109;p20"/>
+          <p:cNvPr id="110" name="Google Shape;110;p20"/>
           <p:cNvPicPr preferRelativeResize="0"/>
           <p:nvPr/>
         </p:nvPicPr>
@@ -9007,7 +9132,7 @@
   <p:cSld>
     <p:spTree>
       <p:nvGrpSpPr>
-        <p:cNvPr id="113" name="Shape 113"/>
+        <p:cNvPr id="114" name="Shape 114"/>
         <p:cNvGrpSpPr/>
         <p:nvPr/>
       </p:nvGrpSpPr>
@@ -9021,7 +9146,7 @@
       </p:grpSpPr>
       <p:sp>
         <p:nvSpPr>
-          <p:cNvPr id="114" name="Google Shape;114;p21"/>
+          <p:cNvPr id="115" name="Google Shape;115;p21"/>
           <p:cNvSpPr txBox="1"/>
           <p:nvPr>
             <p:ph type="title"/>
@@ -9061,7 +9186,7 @@
       </p:sp>
       <p:graphicFrame>
         <p:nvGraphicFramePr>
-          <p:cNvPr id="115" name="Google Shape;115;p21"/>
+          <p:cNvPr id="116" name="Google Shape;116;p21"/>
           <p:cNvGraphicFramePr/>
           <p:nvPr/>
         </p:nvGraphicFramePr>
@@ -9074,7 +9199,7 @@
             <a:tbl>
               <a:tblPr>
                 <a:noFill/>
-                <a:tableStyleId>{0AADB28F-4D07-440A-92B1-A1075F08CC9F}</a:tableStyleId>
+                <a:tableStyleId>{A365C14D-5A9A-4B05-877C-C8D574E9C240}</a:tableStyleId>
               </a:tblPr>
               <a:tblGrid>
                 <a:gridCol w="1704125"/>
